--- a/FastAPI_Workshop.pptx
+++ b/FastAPI_Workshop.pptx
@@ -6,30 +6,31 @@
   </p:sldMasterIdLst>
   <p:sldIdLst>
     <p:sldId id="256" r:id="rId2"/>
-    <p:sldId id="283" r:id="rId3"/>
-    <p:sldId id="260" r:id="rId4"/>
-    <p:sldId id="262" r:id="rId5"/>
-    <p:sldId id="285" r:id="rId6"/>
-    <p:sldId id="284" r:id="rId7"/>
-    <p:sldId id="263" r:id="rId8"/>
-    <p:sldId id="286" r:id="rId9"/>
-    <p:sldId id="257" r:id="rId10"/>
-    <p:sldId id="258" r:id="rId11"/>
-    <p:sldId id="259" r:id="rId12"/>
-    <p:sldId id="264" r:id="rId13"/>
-    <p:sldId id="265" r:id="rId14"/>
-    <p:sldId id="289" r:id="rId15"/>
-    <p:sldId id="267" r:id="rId16"/>
-    <p:sldId id="288" r:id="rId17"/>
-    <p:sldId id="271" r:id="rId18"/>
-    <p:sldId id="272" r:id="rId19"/>
-    <p:sldId id="281" r:id="rId20"/>
-    <p:sldId id="280" r:id="rId21"/>
-    <p:sldId id="287" r:id="rId22"/>
-    <p:sldId id="269" r:id="rId23"/>
-    <p:sldId id="276" r:id="rId24"/>
-    <p:sldId id="282" r:id="rId25"/>
-    <p:sldId id="290" r:id="rId26"/>
+    <p:sldId id="291" r:id="rId3"/>
+    <p:sldId id="283" r:id="rId4"/>
+    <p:sldId id="260" r:id="rId5"/>
+    <p:sldId id="262" r:id="rId6"/>
+    <p:sldId id="285" r:id="rId7"/>
+    <p:sldId id="284" r:id="rId8"/>
+    <p:sldId id="263" r:id="rId9"/>
+    <p:sldId id="286" r:id="rId10"/>
+    <p:sldId id="257" r:id="rId11"/>
+    <p:sldId id="258" r:id="rId12"/>
+    <p:sldId id="259" r:id="rId13"/>
+    <p:sldId id="264" r:id="rId14"/>
+    <p:sldId id="265" r:id="rId15"/>
+    <p:sldId id="289" r:id="rId16"/>
+    <p:sldId id="267" r:id="rId17"/>
+    <p:sldId id="288" r:id="rId18"/>
+    <p:sldId id="271" r:id="rId19"/>
+    <p:sldId id="272" r:id="rId20"/>
+    <p:sldId id="281" r:id="rId21"/>
+    <p:sldId id="280" r:id="rId22"/>
+    <p:sldId id="287" r:id="rId23"/>
+    <p:sldId id="269" r:id="rId24"/>
+    <p:sldId id="276" r:id="rId25"/>
+    <p:sldId id="282" r:id="rId26"/>
+    <p:sldId id="290" r:id="rId27"/>
   </p:sldIdLst>
   <p:sldSz cx="9144000" cy="6858000" type="screen4x3"/>
   <p:notesSz cx="6858000" cy="9144000"/>
@@ -145,6 +146,172 @@
     </p:ext>
   </p:extLst>
 </p:presentation>
+</file>
+
+<file path=ppt/revisionInfo.xml><?xml version="1.0" encoding="utf-8"?>
+<p1510:revInfo xmlns:a="http://schemas.openxmlformats.org/drawingml/2006/main" xmlns:r="http://schemas.openxmlformats.org/officeDocument/2006/relationships" xmlns:p1510="http://schemas.microsoft.com/office/powerpoint/2015/10/main">
+  <p1510:revLst>
+    <p1510:client id="{E86661A4-F137-4D38-9C6E-FBA8ED822C2E}" v="26" dt="2025-10-04T05:45:51.273"/>
+  </p1510:revLst>
+</p1510:revInfo>
+</file>
+
+<file path=ppt/changesInfos/changesInfo1.xml><?xml version="1.0" encoding="utf-8"?>
+<pc:chgInfo xmlns:a="http://schemas.openxmlformats.org/drawingml/2006/main" xmlns:r="http://schemas.openxmlformats.org/officeDocument/2006/relationships" xmlns:ac="http://schemas.microsoft.com/office/drawing/2013/main/command" xmlns:pc="http://schemas.microsoft.com/office/powerpoint/2013/main/command">
+  <pc:docChgLst>
+    <pc:chgData name="Aditya Parthasarathy" userId="90e581887eed5cc3" providerId="LiveId" clId="{47C1A7A3-A6DD-4FC4-B9C8-47476001B411}"/>
+    <pc:docChg chg="undo custSel addSld delSld modSld">
+      <pc:chgData name="Aditya Parthasarathy" userId="90e581887eed5cc3" providerId="LiveId" clId="{47C1A7A3-A6DD-4FC4-B9C8-47476001B411}" dt="2025-10-04T05:46:30.778" v="571" actId="20577"/>
+      <pc:docMkLst>
+        <pc:docMk/>
+      </pc:docMkLst>
+      <pc:sldChg chg="modSp mod">
+        <pc:chgData name="Aditya Parthasarathy" userId="90e581887eed5cc3" providerId="LiveId" clId="{47C1A7A3-A6DD-4FC4-B9C8-47476001B411}" dt="2025-10-04T05:23:26.893" v="39" actId="6549"/>
+        <pc:sldMkLst>
+          <pc:docMk/>
+          <pc:sldMk cId="0" sldId="258"/>
+        </pc:sldMkLst>
+        <pc:spChg chg="mod">
+          <ac:chgData name="Aditya Parthasarathy" userId="90e581887eed5cc3" providerId="LiveId" clId="{47C1A7A3-A6DD-4FC4-B9C8-47476001B411}" dt="2025-10-04T05:23:26.893" v="39" actId="6549"/>
+          <ac:spMkLst>
+            <pc:docMk/>
+            <pc:sldMk cId="0" sldId="258"/>
+            <ac:spMk id="3" creationId="{00000000-0000-0000-0000-000000000000}"/>
+          </ac:spMkLst>
+        </pc:spChg>
+      </pc:sldChg>
+      <pc:sldChg chg="modSp mod">
+        <pc:chgData name="Aditya Parthasarathy" userId="90e581887eed5cc3" providerId="LiveId" clId="{47C1A7A3-A6DD-4FC4-B9C8-47476001B411}" dt="2025-10-04T05:44:44.094" v="554" actId="2711"/>
+        <pc:sldMkLst>
+          <pc:docMk/>
+          <pc:sldMk cId="0" sldId="264"/>
+        </pc:sldMkLst>
+        <pc:spChg chg="mod">
+          <ac:chgData name="Aditya Parthasarathy" userId="90e581887eed5cc3" providerId="LiveId" clId="{47C1A7A3-A6DD-4FC4-B9C8-47476001B411}" dt="2025-10-04T05:44:44.094" v="554" actId="2711"/>
+          <ac:spMkLst>
+            <pc:docMk/>
+            <pc:sldMk cId="0" sldId="264"/>
+            <ac:spMk id="3" creationId="{00000000-0000-0000-0000-000000000000}"/>
+          </ac:spMkLst>
+        </pc:spChg>
+      </pc:sldChg>
+      <pc:sldChg chg="modSp mod">
+        <pc:chgData name="Aditya Parthasarathy" userId="90e581887eed5cc3" providerId="LiveId" clId="{47C1A7A3-A6DD-4FC4-B9C8-47476001B411}" dt="2025-10-04T05:45:51.273" v="566"/>
+        <pc:sldMkLst>
+          <pc:docMk/>
+          <pc:sldMk cId="610892746" sldId="265"/>
+        </pc:sldMkLst>
+        <pc:spChg chg="mod">
+          <ac:chgData name="Aditya Parthasarathy" userId="90e581887eed5cc3" providerId="LiveId" clId="{47C1A7A3-A6DD-4FC4-B9C8-47476001B411}" dt="2025-10-04T05:45:51.273" v="566"/>
+          <ac:spMkLst>
+            <pc:docMk/>
+            <pc:sldMk cId="610892746" sldId="265"/>
+            <ac:spMk id="3" creationId="{8C9D6F77-0F5D-38A0-93DD-4B09C3BD4223}"/>
+          </ac:spMkLst>
+        </pc:spChg>
+      </pc:sldChg>
+      <pc:sldChg chg="modSp mod">
+        <pc:chgData name="Aditya Parthasarathy" userId="90e581887eed5cc3" providerId="LiveId" clId="{47C1A7A3-A6DD-4FC4-B9C8-47476001B411}" dt="2025-10-04T05:46:30.778" v="571" actId="20577"/>
+        <pc:sldMkLst>
+          <pc:docMk/>
+          <pc:sldMk cId="0" sldId="269"/>
+        </pc:sldMkLst>
+        <pc:spChg chg="mod">
+          <ac:chgData name="Aditya Parthasarathy" userId="90e581887eed5cc3" providerId="LiveId" clId="{47C1A7A3-A6DD-4FC4-B9C8-47476001B411}" dt="2025-10-04T05:27:28.462" v="137" actId="20577"/>
+          <ac:spMkLst>
+            <pc:docMk/>
+            <pc:sldMk cId="0" sldId="269"/>
+            <ac:spMk id="2" creationId="{00000000-0000-0000-0000-000000000000}"/>
+          </ac:spMkLst>
+        </pc:spChg>
+        <pc:spChg chg="mod">
+          <ac:chgData name="Aditya Parthasarathy" userId="90e581887eed5cc3" providerId="LiveId" clId="{47C1A7A3-A6DD-4FC4-B9C8-47476001B411}" dt="2025-10-04T05:46:30.778" v="571" actId="20577"/>
+          <ac:spMkLst>
+            <pc:docMk/>
+            <pc:sldMk cId="0" sldId="269"/>
+            <ac:spMk id="3" creationId="{00000000-0000-0000-0000-000000000000}"/>
+          </ac:spMkLst>
+        </pc:spChg>
+      </pc:sldChg>
+      <pc:sldChg chg="modSp mod">
+        <pc:chgData name="Aditya Parthasarathy" userId="90e581887eed5cc3" providerId="LiveId" clId="{47C1A7A3-A6DD-4FC4-B9C8-47476001B411}" dt="2025-10-04T05:27:18.448" v="131" actId="6549"/>
+        <pc:sldMkLst>
+          <pc:docMk/>
+          <pc:sldMk cId="1882802673" sldId="276"/>
+        </pc:sldMkLst>
+        <pc:spChg chg="mod">
+          <ac:chgData name="Aditya Parthasarathy" userId="90e581887eed5cc3" providerId="LiveId" clId="{47C1A7A3-A6DD-4FC4-B9C8-47476001B411}" dt="2025-10-04T05:25:55.825" v="76" actId="20577"/>
+          <ac:spMkLst>
+            <pc:docMk/>
+            <pc:sldMk cId="1882802673" sldId="276"/>
+            <ac:spMk id="2" creationId="{53983E3B-994E-34A9-FC31-E751F5776807}"/>
+          </ac:spMkLst>
+        </pc:spChg>
+        <pc:spChg chg="mod">
+          <ac:chgData name="Aditya Parthasarathy" userId="90e581887eed5cc3" providerId="LiveId" clId="{47C1A7A3-A6DD-4FC4-B9C8-47476001B411}" dt="2025-10-04T05:27:18.448" v="131" actId="6549"/>
+          <ac:spMkLst>
+            <pc:docMk/>
+            <pc:sldMk cId="1882802673" sldId="276"/>
+            <ac:spMk id="3" creationId="{6506ED7E-8A82-4052-A834-28F1F1399ADB}"/>
+          </ac:spMkLst>
+        </pc:spChg>
+      </pc:sldChg>
+      <pc:sldChg chg="modSp mod">
+        <pc:chgData name="Aditya Parthasarathy" userId="90e581887eed5cc3" providerId="LiveId" clId="{47C1A7A3-A6DD-4FC4-B9C8-47476001B411}" dt="2025-10-04T05:25:20.918" v="49"/>
+        <pc:sldMkLst>
+          <pc:docMk/>
+          <pc:sldMk cId="1810712915" sldId="282"/>
+        </pc:sldMkLst>
+        <pc:spChg chg="mod">
+          <ac:chgData name="Aditya Parthasarathy" userId="90e581887eed5cc3" providerId="LiveId" clId="{47C1A7A3-A6DD-4FC4-B9C8-47476001B411}" dt="2025-10-04T05:25:20.918" v="49"/>
+          <ac:spMkLst>
+            <pc:docMk/>
+            <pc:sldMk cId="1810712915" sldId="282"/>
+            <ac:spMk id="3" creationId="{7E4E3EAA-F64F-D5FD-EE17-AB9B1CB1C04D}"/>
+          </ac:spMkLst>
+        </pc:spChg>
+      </pc:sldChg>
+      <pc:sldChg chg="modSp add del mod">
+        <pc:chgData name="Aditya Parthasarathy" userId="90e581887eed5cc3" providerId="LiveId" clId="{47C1A7A3-A6DD-4FC4-B9C8-47476001B411}" dt="2025-10-04T05:40:37.230" v="300"/>
+        <pc:sldMkLst>
+          <pc:docMk/>
+          <pc:sldMk cId="376551455" sldId="291"/>
+        </pc:sldMkLst>
+        <pc:spChg chg="mod">
+          <ac:chgData name="Aditya Parthasarathy" userId="90e581887eed5cc3" providerId="LiveId" clId="{47C1A7A3-A6DD-4FC4-B9C8-47476001B411}" dt="2025-10-04T05:40:36.916" v="299" actId="20577"/>
+          <ac:spMkLst>
+            <pc:docMk/>
+            <pc:sldMk cId="376551455" sldId="291"/>
+            <ac:spMk id="2" creationId="{7112231F-C083-F1CB-F4CD-F2892C22F540}"/>
+          </ac:spMkLst>
+        </pc:spChg>
+      </pc:sldChg>
+      <pc:sldChg chg="modSp add mod">
+        <pc:chgData name="Aditya Parthasarathy" userId="90e581887eed5cc3" providerId="LiveId" clId="{47C1A7A3-A6DD-4FC4-B9C8-47476001B411}" dt="2025-10-04T05:43:12.518" v="544" actId="20577"/>
+        <pc:sldMkLst>
+          <pc:docMk/>
+          <pc:sldMk cId="1474497513" sldId="291"/>
+        </pc:sldMkLst>
+        <pc:spChg chg="mod">
+          <ac:chgData name="Aditya Parthasarathy" userId="90e581887eed5cc3" providerId="LiveId" clId="{47C1A7A3-A6DD-4FC4-B9C8-47476001B411}" dt="2025-10-04T05:41:36.510" v="403" actId="20577"/>
+          <ac:spMkLst>
+            <pc:docMk/>
+            <pc:sldMk cId="1474497513" sldId="291"/>
+            <ac:spMk id="2" creationId="{5DE49488-EDB4-1157-C52B-65EA57E1D9D9}"/>
+          </ac:spMkLst>
+        </pc:spChg>
+        <pc:spChg chg="mod">
+          <ac:chgData name="Aditya Parthasarathy" userId="90e581887eed5cc3" providerId="LiveId" clId="{47C1A7A3-A6DD-4FC4-B9C8-47476001B411}" dt="2025-10-04T05:43:12.518" v="544" actId="20577"/>
+          <ac:spMkLst>
+            <pc:docMk/>
+            <pc:sldMk cId="1474497513" sldId="291"/>
+            <ac:spMk id="3" creationId="{CC47801E-E6D7-FF53-401F-B6B6D93A2F4F}"/>
+          </ac:spMkLst>
+        </pc:spChg>
+      </pc:sldChg>
+    </pc:docChg>
+  </pc:docChgLst>
+</pc:chgInfo>
 </file>
 
 <file path=ppt/slideLayouts/slideLayout1.xml><?xml version="1.0" encoding="utf-8"?>
@@ -3341,7 +3508,7 @@
           <a:lstStyle/>
           <a:p>
             <a:r>
-              <a:t>Why FastAPI?</a:t>
+              <a:t>What is FastAPI?</a:t>
             </a:r>
           </a:p>
         </p:txBody>
@@ -3369,7 +3536,7 @@
             </a:pPr>
             <a:r>
               <a:rPr dirty="0"/>
-              <a:t>Faster development with less boilerplate</a:t>
+              <a:t>Modern, high-performance web framework for Python</a:t>
             </a:r>
           </a:p>
           <a:p>
@@ -3378,31 +3545,31 @@
             </a:pPr>
             <a:r>
               <a:rPr dirty="0"/>
-              <a:t>Data validation with </a:t>
+              <a:t>Asynchronous support built-in</a:t>
+            </a:r>
+          </a:p>
+          <a:p>
+            <a:pPr>
+              <a:defRPr sz="1800"/>
+            </a:pPr>
+            <a:r>
+              <a:rPr dirty="0"/>
+              <a:t>Automatic interactive API docs (Swagger, </a:t>
             </a:r>
             <a:r>
               <a:rPr dirty="0" err="1"/>
-              <a:t>Pydantic</a:t>
-            </a:r>
+              <a:t>Redoc</a:t>
+            </a:r>
+            <a:r>
+              <a:t>)</a:t>
+            </a:r>
+            <a:endParaRPr lang="en-US" dirty="0"/>
+          </a:p>
+          <a:p>
+            <a:pPr>
+              <a:defRPr sz="1800"/>
+            </a:pPr>
             <a:endParaRPr dirty="0"/>
-          </a:p>
-          <a:p>
-            <a:pPr>
-              <a:defRPr sz="1800"/>
-            </a:pPr>
-            <a:r>
-              <a:rPr dirty="0"/>
-              <a:t>Performance comparable to Node.js &amp; Go</a:t>
-            </a:r>
-          </a:p>
-          <a:p>
-            <a:pPr>
-              <a:defRPr sz="1800"/>
-            </a:pPr>
-            <a:r>
-              <a:rPr dirty="0"/>
-              <a:t>Great for microservices &amp; ML model serving</a:t>
-            </a:r>
           </a:p>
         </p:txBody>
       </p:sp>
@@ -3447,7 +3614,7 @@
           <a:lstStyle/>
           <a:p>
             <a:r>
-              <a:t>FastAPI vs Flask/Django</a:t>
+              <a:t>Why FastAPI?</a:t>
             </a:r>
           </a:p>
         </p:txBody>
@@ -3467,14 +3634,15 @@
           <a:bodyPr/>
           <a:lstStyle/>
           <a:p>
-            <a:endParaRPr/>
+            <a:endParaRPr dirty="0"/>
           </a:p>
           <a:p>
             <a:pPr>
               <a:defRPr sz="1800"/>
             </a:pPr>
             <a:r>
-              <a:t>Flask: lightweight but no built-in async</a:t>
+              <a:rPr dirty="0"/>
+              <a:t>Faster development with less boilerplate</a:t>
             </a:r>
           </a:p>
           <a:p>
@@ -3482,16 +3650,37 @@
               <a:defRPr sz="1800"/>
             </a:pPr>
             <a:r>
-              <a:t>Django: batteries included but heavier</a:t>
-            </a:r>
+              <a:rPr dirty="0"/>
+              <a:t>Data validation with </a:t>
+            </a:r>
+            <a:r>
+              <a:rPr dirty="0" err="1"/>
+              <a:t>Pydantic</a:t>
+            </a:r>
+            <a:endParaRPr dirty="0"/>
           </a:p>
           <a:p>
             <a:pPr>
               <a:defRPr sz="1800"/>
             </a:pPr>
             <a:r>
-              <a:t>FastAPI: modern, async, easy, with auto docs</a:t>
-            </a:r>
+              <a:rPr dirty="0"/>
+              <a:t>Performance comparable to Node.js &amp; Go</a:t>
+            </a:r>
+          </a:p>
+          <a:p>
+            <a:pPr>
+              <a:defRPr sz="1800"/>
+            </a:pPr>
+            <a:r>
+              <a:rPr dirty="0"/>
+              <a:t>Great for microservices &amp; ML model serving</a:t>
+            </a:r>
+            <a:r>
+              <a:rPr lang="en-US" dirty="0"/>
+              <a:t> (async supported)</a:t>
+            </a:r>
+            <a:endParaRPr dirty="0"/>
           </a:p>
         </p:txBody>
       </p:sp>
@@ -3536,7 +3725,7 @@
           <a:lstStyle/>
           <a:p>
             <a:r>
-              <a:t>FastAPI Basics</a:t>
+              <a:t>FastAPI vs Flask/Django</a:t>
             </a:r>
           </a:p>
         </p:txBody>
@@ -3556,6 +3745,100 @@
           <a:bodyPr/>
           <a:lstStyle/>
           <a:p>
+            <a:endParaRPr/>
+          </a:p>
+          <a:p>
+            <a:pPr>
+              <a:defRPr sz="1800"/>
+            </a:pPr>
+            <a:r>
+              <a:t>Flask: lightweight but no built-in async</a:t>
+            </a:r>
+          </a:p>
+          <a:p>
+            <a:pPr>
+              <a:defRPr sz="1800"/>
+            </a:pPr>
+            <a:r>
+              <a:t>Django: batteries included but heavier</a:t>
+            </a:r>
+          </a:p>
+          <a:p>
+            <a:pPr>
+              <a:defRPr sz="1800"/>
+            </a:pPr>
+            <a:r>
+              <a:t>FastAPI: modern, async, easy, with auto docs</a:t>
+            </a:r>
+          </a:p>
+        </p:txBody>
+      </p:sp>
+    </p:spTree>
+  </p:cSld>
+  <p:clrMapOvr>
+    <a:masterClrMapping/>
+  </p:clrMapOvr>
+</p:sld>
+</file>
+
+<file path=ppt/slides/slide13.xml><?xml version="1.0" encoding="utf-8"?>
+<p:sld xmlns:a="http://schemas.openxmlformats.org/drawingml/2006/main" xmlns:r="http://schemas.openxmlformats.org/officeDocument/2006/relationships" xmlns:p="http://schemas.openxmlformats.org/presentationml/2006/main">
+  <p:cSld>
+    <p:spTree>
+      <p:nvGrpSpPr>
+        <p:cNvPr id="1" name=""/>
+        <p:cNvGrpSpPr/>
+        <p:nvPr/>
+      </p:nvGrpSpPr>
+      <p:grpSpPr>
+        <a:xfrm>
+          <a:off x="0" y="0"/>
+          <a:ext cx="0" cy="0"/>
+          <a:chOff x="0" y="0"/>
+          <a:chExt cx="0" cy="0"/>
+        </a:xfrm>
+      </p:grpSpPr>
+      <p:sp>
+        <p:nvSpPr>
+          <p:cNvPr id="2" name="Title 1"/>
+          <p:cNvSpPr>
+            <a:spLocks noGrp="1"/>
+          </p:cNvSpPr>
+          <p:nvPr>
+            <p:ph type="title"/>
+          </p:nvPr>
+        </p:nvSpPr>
+        <p:spPr/>
+        <p:txBody>
+          <a:bodyPr/>
+          <a:lstStyle/>
+          <a:p>
+            <a:r>
+              <a:rPr dirty="0" err="1"/>
+              <a:t>FastAPI</a:t>
+            </a:r>
+            <a:r>
+              <a:rPr dirty="0"/>
+              <a:t> Basics</a:t>
+            </a:r>
+          </a:p>
+        </p:txBody>
+      </p:sp>
+      <p:sp>
+        <p:nvSpPr>
+          <p:cNvPr id="3" name="Content Placeholder 2"/>
+          <p:cNvSpPr>
+            <a:spLocks noGrp="1"/>
+          </p:cNvSpPr>
+          <p:nvPr>
+            <p:ph idx="1"/>
+          </p:nvPr>
+        </p:nvSpPr>
+        <p:spPr/>
+        <p:txBody>
+          <a:bodyPr/>
+          <a:lstStyle/>
+          <a:p>
             <a:endParaRPr dirty="0"/>
           </a:p>
           <a:p>
@@ -3564,7 +3847,23 @@
             </a:pPr>
             <a:r>
               <a:rPr dirty="0"/>
-              <a:t>Define routes with decorators (@app.get, @app.post)</a:t>
+              <a:t>Define routes with decorators</a:t>
+            </a:r>
+            <a:r>
+              <a:rPr lang="en-US" dirty="0"/>
+              <a:t> -</a:t>
+            </a:r>
+            <a:r>
+              <a:rPr dirty="0"/>
+              <a:t> </a:t>
+            </a:r>
+            <a:r>
+              <a:rPr dirty="0">
+                <a:latin typeface="Cascadia Code" panose="020B0609020000020004" pitchFamily="49" charset="0"/>
+                <a:ea typeface="Cascadia Code" panose="020B0609020000020004" pitchFamily="49" charset="0"/>
+                <a:cs typeface="Cascadia Code" panose="020B0609020000020004" pitchFamily="49" charset="0"/>
+              </a:rPr>
+              <a:t>(@app.get, @app.post)</a:t>
             </a:r>
           </a:p>
           <a:p>
@@ -3828,7 +4127,7 @@
 </p:sld>
 </file>
 
-<file path=ppt/slides/slide13.xml><?xml version="1.0" encoding="utf-8"?>
+<file path=ppt/slides/slide14.xml><?xml version="1.0" encoding="utf-8"?>
 <p:sld xmlns:a="http://schemas.openxmlformats.org/drawingml/2006/main" xmlns:r="http://schemas.openxmlformats.org/officeDocument/2006/relationships" xmlns:p="http://schemas.openxmlformats.org/presentationml/2006/main">
   <p:cSld>
     <p:spTree>
@@ -3921,41 +4220,6 @@
               <a:defRPr sz="1800"/>
             </a:pPr>
             <a:r>
-              <a:rPr lang="en-US" dirty="0"/>
-              <a:t>Part of the URL path</a:t>
-            </a:r>
-          </a:p>
-          <a:p>
-            <a:pPr lvl="1">
-              <a:defRPr sz="1800"/>
-            </a:pPr>
-            <a:r>
-              <a:rPr lang="en-US" dirty="0"/>
-              <a:t>Chosen for </a:t>
-            </a:r>
-            <a:r>
-              <a:rPr lang="en-US" b="1" dirty="0"/>
-              <a:t>locating/pinpoint </a:t>
-            </a:r>
-            <a:r>
-              <a:rPr lang="en-US" dirty="0"/>
-              <a:t>to a specific resource</a:t>
-            </a:r>
-          </a:p>
-          <a:p>
-            <a:pPr lvl="1">
-              <a:defRPr sz="1800"/>
-            </a:pPr>
-            <a:r>
-              <a:rPr lang="en-IN" sz="1800" dirty="0"/>
-              <a:t>Mandatory, order matters</a:t>
-            </a:r>
-          </a:p>
-          <a:p>
-            <a:pPr lvl="1">
-              <a:defRPr sz="1800"/>
-            </a:pPr>
-            <a:r>
               <a:rPr lang="en-IN" sz="1800" dirty="0"/>
               <a:t>Example: </a:t>
             </a:r>
@@ -3978,6 +4242,50 @@
               </a:rPr>
               <a:t>{id}</a:t>
             </a:r>
+            <a:endParaRPr lang="en-US" i="1" dirty="0"/>
+          </a:p>
+          <a:p>
+            <a:pPr lvl="1">
+              <a:defRPr sz="1800"/>
+            </a:pPr>
+            <a:r>
+              <a:rPr lang="en-US" dirty="0"/>
+              <a:t>Part of the URL path</a:t>
+            </a:r>
+          </a:p>
+          <a:p>
+            <a:pPr lvl="1">
+              <a:defRPr sz="1800"/>
+            </a:pPr>
+            <a:r>
+              <a:rPr lang="en-US" dirty="0"/>
+              <a:t>Chosen for </a:t>
+            </a:r>
+            <a:r>
+              <a:rPr lang="en-US" b="1" dirty="0"/>
+              <a:t>locating/pinpoint </a:t>
+            </a:r>
+            <a:r>
+              <a:rPr lang="en-US" dirty="0"/>
+              <a:t>to a specific resource</a:t>
+            </a:r>
+          </a:p>
+          <a:p>
+            <a:pPr lvl="1">
+              <a:defRPr sz="1800"/>
+            </a:pPr>
+            <a:r>
+              <a:rPr lang="en-IN" sz="1800" dirty="0"/>
+              <a:t>Mandatory, order matters</a:t>
+            </a:r>
+            <a:endParaRPr lang="en-IN" sz="1800" dirty="0">
+              <a:highlight>
+                <a:srgbClr val="FFFF00"/>
+              </a:highlight>
+              <a:latin typeface="Cascadia Code" panose="020B0609020000020004" pitchFamily="49" charset="0"/>
+              <a:ea typeface="Cascadia Code" panose="020B0609020000020004" pitchFamily="49" charset="0"/>
+              <a:cs typeface="Cascadia Code" panose="020B0609020000020004" pitchFamily="49" charset="0"/>
+            </a:endParaRPr>
           </a:p>
           <a:p>
             <a:pPr lvl="1">
@@ -3997,39 +4305,6 @@
               <a:rPr lang="en-US" i="1" dirty="0"/>
               <a:t>(How to view/filter that resource?)</a:t>
             </a:r>
-          </a:p>
-          <a:p>
-            <a:pPr lvl="1">
-              <a:defRPr sz="1800"/>
-            </a:pPr>
-            <a:r>
-              <a:rPr lang="en-US" dirty="0"/>
-              <a:t>Modifies the behavior of an API request by adding more information</a:t>
-            </a:r>
-            <a:endParaRPr lang="en-US" i="1" dirty="0"/>
-          </a:p>
-          <a:p>
-            <a:pPr lvl="1">
-              <a:defRPr sz="1800"/>
-            </a:pPr>
-            <a:r>
-              <a:rPr lang="en-US" dirty="0"/>
-              <a:t>Used to </a:t>
-            </a:r>
-            <a:r>
-              <a:rPr lang="en-US" b="1" dirty="0"/>
-              <a:t>filtering, sorting, searching, pagination</a:t>
-            </a:r>
-          </a:p>
-          <a:p>
-            <a:pPr lvl="1">
-              <a:defRPr sz="1800"/>
-            </a:pPr>
-            <a:r>
-              <a:rPr lang="en-IN" dirty="0"/>
-              <a:t>Optional, order doesn’t matter</a:t>
-            </a:r>
-            <a:endParaRPr lang="en-US" dirty="0"/>
           </a:p>
           <a:p>
             <a:pPr lvl="1">
@@ -4058,6 +4333,45 @@
               </a:rPr>
               <a:t>?limit=10&amp;sort=name</a:t>
             </a:r>
+            <a:endParaRPr lang="en-US" i="1" dirty="0"/>
+          </a:p>
+          <a:p>
+            <a:pPr lvl="1">
+              <a:defRPr sz="1800"/>
+            </a:pPr>
+            <a:r>
+              <a:rPr lang="en-US" dirty="0"/>
+              <a:t>Modifies the behavior of an API request by adding more information</a:t>
+            </a:r>
+            <a:endParaRPr lang="en-US" i="1" dirty="0"/>
+          </a:p>
+          <a:p>
+            <a:pPr lvl="1">
+              <a:defRPr sz="1800"/>
+            </a:pPr>
+            <a:r>
+              <a:rPr lang="en-US" dirty="0"/>
+              <a:t>Used to </a:t>
+            </a:r>
+            <a:r>
+              <a:rPr lang="en-US" b="1" dirty="0"/>
+              <a:t>filtering, sorting, searching, pagination</a:t>
+            </a:r>
+          </a:p>
+          <a:p>
+            <a:pPr lvl="1">
+              <a:defRPr sz="1800"/>
+            </a:pPr>
+            <a:r>
+              <a:rPr lang="en-IN" dirty="0"/>
+              <a:t>Optional, order doesn’t matter</a:t>
+            </a:r>
+            <a:endParaRPr lang="en-US" dirty="0"/>
+          </a:p>
+          <a:p>
+            <a:pPr lvl="1">
+              <a:defRPr sz="1800"/>
+            </a:pPr>
             <a:endParaRPr lang="en-US" dirty="0">
               <a:highlight>
                 <a:srgbClr val="FFFF00"/>
@@ -4082,7 +4396,7 @@
 </p:sld>
 </file>
 
-<file path=ppt/slides/slide14.xml><?xml version="1.0" encoding="utf-8"?>
+<file path=ppt/slides/slide15.xml><?xml version="1.0" encoding="utf-8"?>
 <p:sld xmlns:a="http://schemas.openxmlformats.org/drawingml/2006/main" xmlns:r="http://schemas.openxmlformats.org/officeDocument/2006/relationships" xmlns:p="http://schemas.openxmlformats.org/presentationml/2006/main">
   <p:cSld>
     <p:spTree>
@@ -4157,7 +4471,7 @@
 </p:sld>
 </file>
 
-<file path=ppt/slides/slide15.xml><?xml version="1.0" encoding="utf-8"?>
+<file path=ppt/slides/slide16.xml><?xml version="1.0" encoding="utf-8"?>
 <p:sld xmlns:a="http://schemas.openxmlformats.org/drawingml/2006/main" xmlns:r="http://schemas.openxmlformats.org/officeDocument/2006/relationships" xmlns:p="http://schemas.openxmlformats.org/presentationml/2006/main">
   <p:cSld>
     <p:spTree>
@@ -4210,13 +4524,14 @@
           <a:bodyPr/>
           <a:lstStyle/>
           <a:p>
-            <a:endParaRPr/>
+            <a:endParaRPr dirty="0"/>
           </a:p>
           <a:p>
             <a:pPr>
               <a:defRPr sz="1800"/>
             </a:pPr>
             <a:r>
+              <a:rPr dirty="0"/>
               <a:t>Define request and response schemas</a:t>
             </a:r>
           </a:p>
@@ -4225,6 +4540,7 @@
               <a:defRPr sz="1800"/>
             </a:pPr>
             <a:r>
+              <a:rPr dirty="0"/>
               <a:t>Automatic validation of incoming data</a:t>
             </a:r>
           </a:p>
@@ -4233,6 +4549,7 @@
               <a:defRPr sz="1800"/>
             </a:pPr>
             <a:r>
+              <a:rPr dirty="0"/>
               <a:t>Helps maintain clean contracts between client &amp; server</a:t>
             </a:r>
           </a:p>
@@ -4246,7 +4563,7 @@
 </p:sld>
 </file>
 
-<file path=ppt/slides/slide16.xml><?xml version="1.0" encoding="utf-8"?>
+<file path=ppt/slides/slide17.xml><?xml version="1.0" encoding="utf-8"?>
 <p:sld xmlns:a="http://schemas.openxmlformats.org/drawingml/2006/main" xmlns:r="http://schemas.openxmlformats.org/officeDocument/2006/relationships" xmlns:p="http://schemas.openxmlformats.org/presentationml/2006/main">
   <p:cSld>
     <p:spTree>
@@ -4314,95 +4631,6 @@
         <p14:creationId xmlns:p14="http://schemas.microsoft.com/office/powerpoint/2010/main" val="373830548"/>
       </p:ext>
     </p:extLst>
-  </p:cSld>
-  <p:clrMapOvr>
-    <a:masterClrMapping/>
-  </p:clrMapOvr>
-</p:sld>
-</file>
-
-<file path=ppt/slides/slide17.xml><?xml version="1.0" encoding="utf-8"?>
-<p:sld xmlns:a="http://schemas.openxmlformats.org/drawingml/2006/main" xmlns:r="http://schemas.openxmlformats.org/officeDocument/2006/relationships" xmlns:p="http://schemas.openxmlformats.org/presentationml/2006/main">
-  <p:cSld>
-    <p:spTree>
-      <p:nvGrpSpPr>
-        <p:cNvPr id="1" name=""/>
-        <p:cNvGrpSpPr/>
-        <p:nvPr/>
-      </p:nvGrpSpPr>
-      <p:grpSpPr>
-        <a:xfrm>
-          <a:off x="0" y="0"/>
-          <a:ext cx="0" cy="0"/>
-          <a:chOff x="0" y="0"/>
-          <a:chExt cx="0" cy="0"/>
-        </a:xfrm>
-      </p:grpSpPr>
-      <p:sp>
-        <p:nvSpPr>
-          <p:cNvPr id="2" name="Title 1"/>
-          <p:cNvSpPr>
-            <a:spLocks noGrp="1"/>
-          </p:cNvSpPr>
-          <p:nvPr>
-            <p:ph type="title"/>
-          </p:nvPr>
-        </p:nvSpPr>
-        <p:spPr/>
-        <p:txBody>
-          <a:bodyPr/>
-          <a:lstStyle/>
-          <a:p>
-            <a:r>
-              <a:t>Why Database?</a:t>
-            </a:r>
-          </a:p>
-        </p:txBody>
-      </p:sp>
-      <p:sp>
-        <p:nvSpPr>
-          <p:cNvPr id="3" name="Content Placeholder 2"/>
-          <p:cNvSpPr>
-            <a:spLocks noGrp="1"/>
-          </p:cNvSpPr>
-          <p:nvPr>
-            <p:ph idx="1"/>
-          </p:nvPr>
-        </p:nvSpPr>
-        <p:spPr/>
-        <p:txBody>
-          <a:bodyPr/>
-          <a:lstStyle/>
-          <a:p>
-            <a:endParaRPr/>
-          </a:p>
-          <a:p>
-            <a:pPr>
-              <a:defRPr sz="1800"/>
-            </a:pPr>
-            <a:r>
-              <a:t>Persistence beyond in-memory data</a:t>
-            </a:r>
-          </a:p>
-          <a:p>
-            <a:pPr>
-              <a:defRPr sz="1800"/>
-            </a:pPr>
-            <a:r>
-              <a:t>Support for larger applications</a:t>
-            </a:r>
-          </a:p>
-          <a:p>
-            <a:pPr>
-              <a:defRPr sz="1800"/>
-            </a:pPr>
-            <a:r>
-              <a:t>Data integrity and relationships</a:t>
-            </a:r>
-          </a:p>
-        </p:txBody>
-      </p:sp>
-    </p:spTree>
   </p:cSld>
   <p:clrMapOvr>
     <a:masterClrMapping/>
@@ -4443,7 +4671,7 @@
           <a:lstStyle/>
           <a:p>
             <a:r>
-              <a:t>ORM vs Raw SQL</a:t>
+              <a:t>Why Database?</a:t>
             </a:r>
           </a:p>
         </p:txBody>
@@ -4463,15 +4691,14 @@
           <a:bodyPr/>
           <a:lstStyle/>
           <a:p>
-            <a:endParaRPr dirty="0"/>
+            <a:endParaRPr/>
           </a:p>
           <a:p>
             <a:pPr>
               <a:defRPr sz="1800"/>
             </a:pPr>
             <a:r>
-              <a:rPr dirty="0"/>
-              <a:t>ORM (Object Relational Mapper) maps Python classes to DB tables</a:t>
+              <a:t>Persistence beyond in-memory data</a:t>
             </a:r>
           </a:p>
           <a:p>
@@ -4479,12 +4706,7 @@
               <a:defRPr sz="1800"/>
             </a:pPr>
             <a:r>
-              <a:rPr dirty="0" err="1"/>
-              <a:t>SQLAlchemy</a:t>
-            </a:r>
-            <a:r>
-              <a:rPr dirty="0"/>
-              <a:t> is the most popular ORM in Python</a:t>
+              <a:t>Support for larger applications</a:t>
             </a:r>
           </a:p>
           <a:p>
@@ -4492,8 +4714,7 @@
               <a:defRPr sz="1800"/>
             </a:pPr>
             <a:r>
-              <a:rPr dirty="0"/>
-              <a:t>Avoids manual SQL for most operations</a:t>
+              <a:t>Data integrity and relationships</a:t>
             </a:r>
           </a:p>
         </p:txBody>
@@ -4507,6 +4728,251 @@
 </file>
 
 <file path=ppt/slides/slide19.xml><?xml version="1.0" encoding="utf-8"?>
+<p:sld xmlns:a="http://schemas.openxmlformats.org/drawingml/2006/main" xmlns:r="http://schemas.openxmlformats.org/officeDocument/2006/relationships" xmlns:p="http://schemas.openxmlformats.org/presentationml/2006/main">
+  <p:cSld>
+    <p:spTree>
+      <p:nvGrpSpPr>
+        <p:cNvPr id="1" name=""/>
+        <p:cNvGrpSpPr/>
+        <p:nvPr/>
+      </p:nvGrpSpPr>
+      <p:grpSpPr>
+        <a:xfrm>
+          <a:off x="0" y="0"/>
+          <a:ext cx="0" cy="0"/>
+          <a:chOff x="0" y="0"/>
+          <a:chExt cx="0" cy="0"/>
+        </a:xfrm>
+      </p:grpSpPr>
+      <p:sp>
+        <p:nvSpPr>
+          <p:cNvPr id="2" name="Title 1"/>
+          <p:cNvSpPr>
+            <a:spLocks noGrp="1"/>
+          </p:cNvSpPr>
+          <p:nvPr>
+            <p:ph type="title"/>
+          </p:nvPr>
+        </p:nvSpPr>
+        <p:spPr/>
+        <p:txBody>
+          <a:bodyPr/>
+          <a:lstStyle/>
+          <a:p>
+            <a:r>
+              <a:t>ORM vs Raw SQL</a:t>
+            </a:r>
+          </a:p>
+        </p:txBody>
+      </p:sp>
+      <p:sp>
+        <p:nvSpPr>
+          <p:cNvPr id="3" name="Content Placeholder 2"/>
+          <p:cNvSpPr>
+            <a:spLocks noGrp="1"/>
+          </p:cNvSpPr>
+          <p:nvPr>
+            <p:ph idx="1"/>
+          </p:nvPr>
+        </p:nvSpPr>
+        <p:spPr/>
+        <p:txBody>
+          <a:bodyPr/>
+          <a:lstStyle/>
+          <a:p>
+            <a:endParaRPr dirty="0"/>
+          </a:p>
+          <a:p>
+            <a:pPr>
+              <a:defRPr sz="1800"/>
+            </a:pPr>
+            <a:r>
+              <a:rPr dirty="0"/>
+              <a:t>ORM (Object Relational Mapper) maps Python classes to DB tables</a:t>
+            </a:r>
+          </a:p>
+          <a:p>
+            <a:pPr>
+              <a:defRPr sz="1800"/>
+            </a:pPr>
+            <a:r>
+              <a:rPr dirty="0" err="1"/>
+              <a:t>SQLAlchemy</a:t>
+            </a:r>
+            <a:r>
+              <a:rPr dirty="0"/>
+              <a:t> is the most popular ORM in Python</a:t>
+            </a:r>
+          </a:p>
+          <a:p>
+            <a:pPr>
+              <a:defRPr sz="1800"/>
+            </a:pPr>
+            <a:r>
+              <a:rPr dirty="0"/>
+              <a:t>Avoids manual SQL for most operations</a:t>
+            </a:r>
+          </a:p>
+        </p:txBody>
+      </p:sp>
+    </p:spTree>
+  </p:cSld>
+  <p:clrMapOvr>
+    <a:masterClrMapping/>
+  </p:clrMapOvr>
+</p:sld>
+</file>
+
+<file path=ppt/slides/slide2.xml><?xml version="1.0" encoding="utf-8"?>
+<p:sld xmlns:a="http://schemas.openxmlformats.org/drawingml/2006/main" xmlns:r="http://schemas.openxmlformats.org/officeDocument/2006/relationships" xmlns:p="http://schemas.openxmlformats.org/presentationml/2006/main">
+  <p:cSld>
+    <p:spTree>
+      <p:nvGrpSpPr>
+        <p:cNvPr id="1" name="">
+          <a:extLst>
+            <a:ext uri="{FF2B5EF4-FFF2-40B4-BE49-F238E27FC236}">
+              <a16:creationId xmlns:a16="http://schemas.microsoft.com/office/drawing/2014/main" id="{35FAB3B0-4F16-F846-EF8F-39F7901D0BC7}"/>
+            </a:ext>
+          </a:extLst>
+        </p:cNvPr>
+        <p:cNvGrpSpPr/>
+        <p:nvPr/>
+      </p:nvGrpSpPr>
+      <p:grpSpPr>
+        <a:xfrm>
+          <a:off x="0" y="0"/>
+          <a:ext cx="0" cy="0"/>
+          <a:chOff x="0" y="0"/>
+          <a:chExt cx="0" cy="0"/>
+        </a:xfrm>
+      </p:grpSpPr>
+      <p:sp>
+        <p:nvSpPr>
+          <p:cNvPr id="2" name="Title 1">
+            <a:extLst>
+              <a:ext uri="{FF2B5EF4-FFF2-40B4-BE49-F238E27FC236}">
+                <a16:creationId xmlns:a16="http://schemas.microsoft.com/office/drawing/2014/main" id="{5DE49488-EDB4-1157-C52B-65EA57E1D9D9}"/>
+              </a:ext>
+            </a:extLst>
+          </p:cNvPr>
+          <p:cNvSpPr>
+            <a:spLocks noGrp="1"/>
+          </p:cNvSpPr>
+          <p:nvPr>
+            <p:ph type="title"/>
+          </p:nvPr>
+        </p:nvSpPr>
+        <p:spPr/>
+        <p:txBody>
+          <a:bodyPr/>
+          <a:lstStyle/>
+          <a:p>
+            <a:r>
+              <a:rPr lang="en-US" dirty="0"/>
+              <a:t>Agenda</a:t>
+            </a:r>
+            <a:endParaRPr dirty="0"/>
+          </a:p>
+        </p:txBody>
+      </p:sp>
+      <p:sp>
+        <p:nvSpPr>
+          <p:cNvPr id="3" name="Content Placeholder 2">
+            <a:extLst>
+              <a:ext uri="{FF2B5EF4-FFF2-40B4-BE49-F238E27FC236}">
+                <a16:creationId xmlns:a16="http://schemas.microsoft.com/office/drawing/2014/main" id="{CC47801E-E6D7-FF53-401F-B6B6D93A2F4F}"/>
+              </a:ext>
+            </a:extLst>
+          </p:cNvPr>
+          <p:cNvSpPr>
+            <a:spLocks noGrp="1"/>
+          </p:cNvSpPr>
+          <p:nvPr>
+            <p:ph idx="1"/>
+          </p:nvPr>
+        </p:nvSpPr>
+        <p:spPr/>
+        <p:txBody>
+          <a:bodyPr>
+            <a:normAutofit/>
+          </a:bodyPr>
+          <a:lstStyle/>
+          <a:p>
+            <a:endParaRPr lang="en-IN" dirty="0"/>
+          </a:p>
+          <a:p>
+            <a:pPr>
+              <a:defRPr sz="1800"/>
+            </a:pPr>
+            <a:r>
+              <a:rPr lang="en-IN" dirty="0"/>
+              <a:t>REST API Basics</a:t>
+            </a:r>
+          </a:p>
+          <a:p>
+            <a:pPr>
+              <a:defRPr sz="1800"/>
+            </a:pPr>
+            <a:r>
+              <a:rPr lang="en-IN" dirty="0"/>
+              <a:t>Intro to </a:t>
+            </a:r>
+            <a:r>
+              <a:rPr lang="en-IN" dirty="0" err="1"/>
+              <a:t>FastAPI</a:t>
+            </a:r>
+            <a:endParaRPr lang="en-IN" dirty="0"/>
+          </a:p>
+          <a:p>
+            <a:pPr>
+              <a:defRPr sz="1800"/>
+            </a:pPr>
+            <a:r>
+              <a:rPr lang="en-IN" dirty="0" err="1"/>
+              <a:t>Pydantic</a:t>
+            </a:r>
+            <a:r>
+              <a:rPr lang="en-IN" dirty="0"/>
+              <a:t> Models</a:t>
+            </a:r>
+          </a:p>
+          <a:p>
+            <a:pPr>
+              <a:defRPr sz="1800"/>
+            </a:pPr>
+            <a:r>
+              <a:rPr lang="en-IN" dirty="0"/>
+              <a:t>DB Connectivity: SQL Alchemy</a:t>
+            </a:r>
+          </a:p>
+          <a:p>
+            <a:pPr>
+              <a:defRPr sz="1800"/>
+            </a:pPr>
+            <a:endParaRPr lang="en-IN" dirty="0"/>
+          </a:p>
+          <a:p>
+            <a:pPr lvl="1">
+              <a:defRPr sz="1800"/>
+            </a:pPr>
+            <a:endParaRPr lang="en-IN" dirty="0"/>
+          </a:p>
+        </p:txBody>
+      </p:sp>
+    </p:spTree>
+    <p:extLst>
+      <p:ext uri="{BB962C8B-B14F-4D97-AF65-F5344CB8AC3E}">
+        <p14:creationId xmlns:p14="http://schemas.microsoft.com/office/powerpoint/2010/main" val="1474497513"/>
+      </p:ext>
+    </p:extLst>
+  </p:cSld>
+  <p:clrMapOvr>
+    <a:masterClrMapping/>
+  </p:clrMapOvr>
+</p:sld>
+</file>
+
+<file path=ppt/slides/slide20.xml><?xml version="1.0" encoding="utf-8"?>
 <p:sld xmlns:a="http://schemas.openxmlformats.org/drawingml/2006/main" xmlns:r="http://schemas.openxmlformats.org/officeDocument/2006/relationships" xmlns:p="http://schemas.openxmlformats.org/presentationml/2006/main">
   <p:cSld>
     <p:spTree>
@@ -4631,7 +5097,773 @@
 </p:sld>
 </file>
 
-<file path=ppt/slides/slide2.xml><?xml version="1.0" encoding="utf-8"?>
+<file path=ppt/slides/slide21.xml><?xml version="1.0" encoding="utf-8"?>
+<p:sld xmlns:a="http://schemas.openxmlformats.org/drawingml/2006/main" xmlns:r="http://schemas.openxmlformats.org/officeDocument/2006/relationships" xmlns:p="http://schemas.openxmlformats.org/presentationml/2006/main">
+  <p:cSld>
+    <p:spTree>
+      <p:nvGrpSpPr>
+        <p:cNvPr id="1" name="">
+          <a:extLst>
+            <a:ext uri="{FF2B5EF4-FFF2-40B4-BE49-F238E27FC236}">
+              <a16:creationId xmlns:a16="http://schemas.microsoft.com/office/drawing/2014/main" id="{5F053B67-48ED-0B17-45CC-BF3E2AC4FA14}"/>
+            </a:ext>
+          </a:extLst>
+        </p:cNvPr>
+        <p:cNvGrpSpPr/>
+        <p:nvPr/>
+      </p:nvGrpSpPr>
+      <p:grpSpPr>
+        <a:xfrm>
+          <a:off x="0" y="0"/>
+          <a:ext cx="0" cy="0"/>
+          <a:chOff x="0" y="0"/>
+          <a:chExt cx="0" cy="0"/>
+        </a:xfrm>
+      </p:grpSpPr>
+      <p:sp>
+        <p:nvSpPr>
+          <p:cNvPr id="2" name="Title 1">
+            <a:extLst>
+              <a:ext uri="{FF2B5EF4-FFF2-40B4-BE49-F238E27FC236}">
+                <a16:creationId xmlns:a16="http://schemas.microsoft.com/office/drawing/2014/main" id="{B50F54BC-75FB-EC06-2312-0A5D9ACEFC5B}"/>
+              </a:ext>
+            </a:extLst>
+          </p:cNvPr>
+          <p:cNvSpPr>
+            <a:spLocks noGrp="1"/>
+          </p:cNvSpPr>
+          <p:nvPr>
+            <p:ph type="title"/>
+          </p:nvPr>
+        </p:nvSpPr>
+        <p:spPr/>
+        <p:txBody>
+          <a:bodyPr/>
+          <a:lstStyle/>
+          <a:p>
+            <a:r>
+              <a:t>SQLAlchemy with FastAPI</a:t>
+            </a:r>
+          </a:p>
+        </p:txBody>
+      </p:sp>
+      <p:sp>
+        <p:nvSpPr>
+          <p:cNvPr id="3" name="Content Placeholder 2">
+            <a:extLst>
+              <a:ext uri="{FF2B5EF4-FFF2-40B4-BE49-F238E27FC236}">
+                <a16:creationId xmlns:a16="http://schemas.microsoft.com/office/drawing/2014/main" id="{943236FD-A3B2-5BB7-8F22-119EB1626677}"/>
+              </a:ext>
+            </a:extLst>
+          </p:cNvPr>
+          <p:cNvSpPr>
+            <a:spLocks noGrp="1"/>
+          </p:cNvSpPr>
+          <p:nvPr>
+            <p:ph idx="1"/>
+          </p:nvPr>
+        </p:nvSpPr>
+        <p:spPr/>
+        <p:txBody>
+          <a:bodyPr/>
+          <a:lstStyle/>
+          <a:p>
+            <a:endParaRPr dirty="0"/>
+          </a:p>
+          <a:p>
+            <a:pPr>
+              <a:defRPr sz="1800"/>
+            </a:pPr>
+            <a:r>
+              <a:rPr dirty="0"/>
+              <a:t>Define models as Python classes</a:t>
+            </a:r>
+          </a:p>
+          <a:p>
+            <a:pPr>
+              <a:defRPr sz="1800"/>
+            </a:pPr>
+            <a:r>
+              <a:rPr dirty="0"/>
+              <a:t>Create tables with </a:t>
+            </a:r>
+            <a:r>
+              <a:rPr dirty="0" err="1"/>
+              <a:t>Base.metadata.create_all</a:t>
+            </a:r>
+            <a:r>
+              <a:rPr dirty="0"/>
+              <a:t>()</a:t>
+            </a:r>
+            <a:r>
+              <a:rPr lang="en-US" dirty="0"/>
+              <a:t> (using </a:t>
+            </a:r>
+            <a:r>
+              <a:rPr lang="en-IN" dirty="0"/>
+              <a:t>ORM Mapped classes)</a:t>
+            </a:r>
+            <a:endParaRPr dirty="0"/>
+          </a:p>
+          <a:p>
+            <a:pPr>
+              <a:defRPr sz="1800"/>
+            </a:pPr>
+            <a:r>
+              <a:rPr dirty="0"/>
+              <a:t>Use </a:t>
+            </a:r>
+            <a:r>
+              <a:rPr dirty="0" err="1"/>
+              <a:t>SessionLocal</a:t>
+            </a:r>
+            <a:r>
+              <a:rPr dirty="0"/>
+              <a:t> for DB operations</a:t>
+            </a:r>
+            <a:endParaRPr lang="en-IN" dirty="0"/>
+          </a:p>
+          <a:p>
+            <a:pPr>
+              <a:defRPr sz="1800"/>
+            </a:pPr>
+            <a:r>
+              <a:rPr lang="en-IN" dirty="0"/>
+              <a:t>Integrate with </a:t>
+            </a:r>
+            <a:r>
+              <a:rPr lang="en-IN" dirty="0" err="1"/>
+              <a:t>FastAPI</a:t>
+            </a:r>
+            <a:r>
+              <a:rPr lang="en-IN" dirty="0"/>
+              <a:t> dependencies (using Depends())</a:t>
+            </a:r>
+          </a:p>
+        </p:txBody>
+      </p:sp>
+    </p:spTree>
+    <p:extLst>
+      <p:ext uri="{BB962C8B-B14F-4D97-AF65-F5344CB8AC3E}">
+        <p14:creationId xmlns:p14="http://schemas.microsoft.com/office/powerpoint/2010/main" val="686739344"/>
+      </p:ext>
+    </p:extLst>
+  </p:cSld>
+  <p:clrMapOvr>
+    <a:masterClrMapping/>
+  </p:clrMapOvr>
+</p:sld>
+</file>
+
+<file path=ppt/slides/slide22.xml><?xml version="1.0" encoding="utf-8"?>
+<p:sld xmlns:a="http://schemas.openxmlformats.org/drawingml/2006/main" xmlns:r="http://schemas.openxmlformats.org/officeDocument/2006/relationships" xmlns:p="http://schemas.openxmlformats.org/presentationml/2006/main">
+  <p:cSld>
+    <p:spTree>
+      <p:nvGrpSpPr>
+        <p:cNvPr id="1" name=""/>
+        <p:cNvGrpSpPr/>
+        <p:nvPr/>
+      </p:nvGrpSpPr>
+      <p:grpSpPr>
+        <a:xfrm>
+          <a:off x="0" y="0"/>
+          <a:ext cx="0" cy="0"/>
+          <a:chOff x="0" y="0"/>
+          <a:chExt cx="0" cy="0"/>
+        </a:xfrm>
+      </p:grpSpPr>
+      <p:sp>
+        <p:nvSpPr>
+          <p:cNvPr id="2" name="Title 1">
+            <a:extLst>
+              <a:ext uri="{FF2B5EF4-FFF2-40B4-BE49-F238E27FC236}">
+                <a16:creationId xmlns:a16="http://schemas.microsoft.com/office/drawing/2014/main" id="{07B6B77C-3CC0-5118-5872-5AD42E321E84}"/>
+              </a:ext>
+            </a:extLst>
+          </p:cNvPr>
+          <p:cNvSpPr>
+            <a:spLocks noGrp="1"/>
+          </p:cNvSpPr>
+          <p:nvPr>
+            <p:ph type="title"/>
+          </p:nvPr>
+        </p:nvSpPr>
+        <p:spPr>
+          <a:xfrm rot="19743509">
+            <a:off x="444424" y="2451643"/>
+            <a:ext cx="8229600" cy="1912091"/>
+          </a:xfrm>
+        </p:spPr>
+        <p:txBody>
+          <a:bodyPr>
+            <a:normAutofit/>
+          </a:bodyPr>
+          <a:lstStyle/>
+          <a:p>
+            <a:r>
+              <a:rPr lang="en-US" sz="8000" dirty="0"/>
+              <a:t>D</a:t>
+            </a:r>
+            <a:r>
+              <a:rPr lang="en-IN" sz="8000" dirty="0"/>
+              <a:t>EMO</a:t>
+            </a:r>
+          </a:p>
+        </p:txBody>
+      </p:sp>
+    </p:spTree>
+    <p:extLst>
+      <p:ext uri="{BB962C8B-B14F-4D97-AF65-F5344CB8AC3E}">
+        <p14:creationId xmlns:p14="http://schemas.microsoft.com/office/powerpoint/2010/main" val="168781383"/>
+      </p:ext>
+    </p:extLst>
+  </p:cSld>
+  <p:clrMapOvr>
+    <a:masterClrMapping/>
+  </p:clrMapOvr>
+</p:sld>
+</file>
+
+<file path=ppt/slides/slide23.xml><?xml version="1.0" encoding="utf-8"?>
+<p:sld xmlns:a="http://schemas.openxmlformats.org/drawingml/2006/main" xmlns:r="http://schemas.openxmlformats.org/officeDocument/2006/relationships" xmlns:p="http://schemas.openxmlformats.org/presentationml/2006/main">
+  <p:cSld>
+    <p:spTree>
+      <p:nvGrpSpPr>
+        <p:cNvPr id="1" name=""/>
+        <p:cNvGrpSpPr/>
+        <p:nvPr/>
+      </p:nvGrpSpPr>
+      <p:grpSpPr>
+        <a:xfrm>
+          <a:off x="0" y="0"/>
+          <a:ext cx="0" cy="0"/>
+          <a:chOff x="0" y="0"/>
+          <a:chExt cx="0" cy="0"/>
+        </a:xfrm>
+      </p:grpSpPr>
+      <p:sp>
+        <p:nvSpPr>
+          <p:cNvPr id="2" name="Title 1"/>
+          <p:cNvSpPr>
+            <a:spLocks noGrp="1"/>
+          </p:cNvSpPr>
+          <p:nvPr>
+            <p:ph type="title"/>
+          </p:nvPr>
+        </p:nvSpPr>
+        <p:spPr/>
+        <p:txBody>
+          <a:bodyPr/>
+          <a:lstStyle/>
+          <a:p>
+            <a:r>
+              <a:rPr lang="en-US" dirty="0"/>
+              <a:t>Best Practices</a:t>
+            </a:r>
+            <a:endParaRPr dirty="0"/>
+          </a:p>
+        </p:txBody>
+      </p:sp>
+      <p:sp>
+        <p:nvSpPr>
+          <p:cNvPr id="3" name="Content Placeholder 2"/>
+          <p:cNvSpPr>
+            <a:spLocks noGrp="1"/>
+          </p:cNvSpPr>
+          <p:nvPr>
+            <p:ph idx="1"/>
+          </p:nvPr>
+        </p:nvSpPr>
+        <p:spPr/>
+        <p:txBody>
+          <a:bodyPr/>
+          <a:lstStyle/>
+          <a:p>
+            <a:endParaRPr dirty="0"/>
+          </a:p>
+          <a:p>
+            <a:pPr>
+              <a:defRPr sz="1800"/>
+            </a:pPr>
+            <a:r>
+              <a:rPr lang="en-US" dirty="0"/>
+              <a:t>Organized code structure – code reusability, readability and maintainability</a:t>
+            </a:r>
+          </a:p>
+          <a:p>
+            <a:pPr>
+              <a:defRPr sz="1800"/>
+            </a:pPr>
+            <a:r>
+              <a:rPr lang="en-US" dirty="0"/>
+              <a:t>Implementation of custom loggers – console and file logging</a:t>
+            </a:r>
+            <a:endParaRPr dirty="0"/>
+          </a:p>
+          <a:p>
+            <a:pPr>
+              <a:defRPr sz="1800"/>
+            </a:pPr>
+            <a:r>
+              <a:rPr lang="en-US" dirty="0"/>
+              <a:t>Exception handling – create custom exceptions wherever applicable</a:t>
+            </a:r>
+          </a:p>
+          <a:p>
+            <a:pPr>
+              <a:defRPr sz="1800"/>
+            </a:pPr>
+            <a:r>
+              <a:rPr lang="en-US" dirty="0"/>
+              <a:t>Validation of request/response data – to ensure data consistency and help mitigate attacks (SQL injection)</a:t>
+            </a:r>
+          </a:p>
+          <a:p>
+            <a:pPr>
+              <a:defRPr sz="1800"/>
+            </a:pPr>
+            <a:r>
+              <a:rPr lang="en-US" dirty="0"/>
+              <a:t>Write unit tests for APIs (</a:t>
+            </a:r>
+            <a:r>
+              <a:rPr lang="en-US" dirty="0" err="1"/>
+              <a:t>pytest</a:t>
+            </a:r>
+            <a:r>
+              <a:rPr lang="en-US" dirty="0"/>
+              <a:t> + </a:t>
+            </a:r>
+            <a:r>
+              <a:rPr lang="en-US" dirty="0" err="1"/>
+              <a:t>httpx</a:t>
+            </a:r>
+            <a:r>
+              <a:rPr lang="en-US" dirty="0"/>
+              <a:t>) – to validate endpoints</a:t>
+            </a:r>
+          </a:p>
+          <a:p>
+            <a:pPr>
+              <a:defRPr sz="1800"/>
+            </a:pPr>
+            <a:endParaRPr lang="en-US" dirty="0"/>
+          </a:p>
+          <a:p>
+            <a:pPr>
+              <a:defRPr sz="1800"/>
+            </a:pPr>
+            <a:endParaRPr dirty="0"/>
+          </a:p>
+        </p:txBody>
+      </p:sp>
+    </p:spTree>
+  </p:cSld>
+  <p:clrMapOvr>
+    <a:masterClrMapping/>
+  </p:clrMapOvr>
+</p:sld>
+</file>
+
+<file path=ppt/slides/slide24.xml><?xml version="1.0" encoding="utf-8"?>
+<p:sld xmlns:a="http://schemas.openxmlformats.org/drawingml/2006/main" xmlns:r="http://schemas.openxmlformats.org/officeDocument/2006/relationships" xmlns:p="http://schemas.openxmlformats.org/presentationml/2006/main">
+  <p:cSld>
+    <p:spTree>
+      <p:nvGrpSpPr>
+        <p:cNvPr id="1" name="">
+          <a:extLst>
+            <a:ext uri="{FF2B5EF4-FFF2-40B4-BE49-F238E27FC236}">
+              <a16:creationId xmlns:a16="http://schemas.microsoft.com/office/drawing/2014/main" id="{CF43BFD7-E717-EE9E-2B94-ED6D88ED32DD}"/>
+            </a:ext>
+          </a:extLst>
+        </p:cNvPr>
+        <p:cNvGrpSpPr/>
+        <p:nvPr/>
+      </p:nvGrpSpPr>
+      <p:grpSpPr>
+        <a:xfrm>
+          <a:off x="0" y="0"/>
+          <a:ext cx="0" cy="0"/>
+          <a:chOff x="0" y="0"/>
+          <a:chExt cx="0" cy="0"/>
+        </a:xfrm>
+      </p:grpSpPr>
+      <p:sp>
+        <p:nvSpPr>
+          <p:cNvPr id="2" name="Title 1">
+            <a:extLst>
+              <a:ext uri="{FF2B5EF4-FFF2-40B4-BE49-F238E27FC236}">
+                <a16:creationId xmlns:a16="http://schemas.microsoft.com/office/drawing/2014/main" id="{53983E3B-994E-34A9-FC31-E751F5776807}"/>
+              </a:ext>
+            </a:extLst>
+          </p:cNvPr>
+          <p:cNvSpPr>
+            <a:spLocks noGrp="1"/>
+          </p:cNvSpPr>
+          <p:nvPr>
+            <p:ph type="title"/>
+          </p:nvPr>
+        </p:nvSpPr>
+        <p:spPr/>
+        <p:txBody>
+          <a:bodyPr/>
+          <a:lstStyle/>
+          <a:p>
+            <a:r>
+              <a:rPr lang="en-US" dirty="0"/>
+              <a:t>What to Explore Next?</a:t>
+            </a:r>
+            <a:endParaRPr dirty="0"/>
+          </a:p>
+        </p:txBody>
+      </p:sp>
+      <p:sp>
+        <p:nvSpPr>
+          <p:cNvPr id="3" name="Content Placeholder 2">
+            <a:extLst>
+              <a:ext uri="{FF2B5EF4-FFF2-40B4-BE49-F238E27FC236}">
+                <a16:creationId xmlns:a16="http://schemas.microsoft.com/office/drawing/2014/main" id="{6506ED7E-8A82-4052-A834-28F1F1399ADB}"/>
+              </a:ext>
+            </a:extLst>
+          </p:cNvPr>
+          <p:cNvSpPr>
+            <a:spLocks noGrp="1"/>
+          </p:cNvSpPr>
+          <p:nvPr>
+            <p:ph idx="1"/>
+          </p:nvPr>
+        </p:nvSpPr>
+        <p:spPr/>
+        <p:txBody>
+          <a:bodyPr/>
+          <a:lstStyle/>
+          <a:p>
+            <a:endParaRPr dirty="0"/>
+          </a:p>
+          <a:p>
+            <a:pPr>
+              <a:defRPr sz="1800"/>
+            </a:pPr>
+            <a:r>
+              <a:rPr lang="en-US" dirty="0"/>
+              <a:t>Middleware (e.g., CORS Middleware)</a:t>
+            </a:r>
+            <a:endParaRPr dirty="0"/>
+          </a:p>
+          <a:p>
+            <a:pPr>
+              <a:defRPr sz="1800"/>
+            </a:pPr>
+            <a:r>
+              <a:rPr lang="en-IN" dirty="0"/>
+              <a:t>Authentication &amp; Authorization (OAuth2, JWT)</a:t>
+            </a:r>
+          </a:p>
+          <a:p>
+            <a:pPr>
+              <a:defRPr sz="1800"/>
+            </a:pPr>
+            <a:r>
+              <a:rPr lang="en-IN" dirty="0"/>
+              <a:t>Dependency Injection in depth</a:t>
+            </a:r>
+          </a:p>
+          <a:p>
+            <a:pPr>
+              <a:defRPr sz="1800"/>
+            </a:pPr>
+            <a:r>
+              <a:rPr lang="en-US" dirty="0"/>
+              <a:t>Cookies</a:t>
+            </a:r>
+          </a:p>
+          <a:p>
+            <a:pPr>
+              <a:defRPr sz="1800"/>
+            </a:pPr>
+            <a:r>
+              <a:rPr lang="en-US" dirty="0"/>
+              <a:t>Response Headers</a:t>
+            </a:r>
+          </a:p>
+          <a:p>
+            <a:pPr>
+              <a:defRPr sz="1800"/>
+            </a:pPr>
+            <a:r>
+              <a:rPr lang="en-US" dirty="0"/>
+              <a:t>Async programming</a:t>
+            </a:r>
+          </a:p>
+          <a:p>
+            <a:pPr>
+              <a:defRPr sz="1800"/>
+            </a:pPr>
+            <a:r>
+              <a:rPr lang="en-IN" dirty="0"/>
+              <a:t>Deploying </a:t>
+            </a:r>
+            <a:r>
+              <a:rPr lang="en-IN" dirty="0" err="1"/>
+              <a:t>FastAPI</a:t>
+            </a:r>
+            <a:r>
+              <a:rPr lang="en-IN" dirty="0"/>
+              <a:t> (Docker, Cloud, </a:t>
+            </a:r>
+            <a:r>
+              <a:rPr lang="en-IN" dirty="0" err="1"/>
+              <a:t>Gunicorn</a:t>
+            </a:r>
+            <a:r>
+              <a:rPr lang="en-IN" dirty="0"/>
+              <a:t>/</a:t>
+            </a:r>
+            <a:r>
+              <a:rPr lang="en-IN" dirty="0" err="1"/>
+              <a:t>Uvicorn</a:t>
+            </a:r>
+            <a:r>
+              <a:rPr lang="en-IN" dirty="0"/>
+              <a:t> workers)</a:t>
+            </a:r>
+            <a:endParaRPr dirty="0"/>
+          </a:p>
+        </p:txBody>
+      </p:sp>
+    </p:spTree>
+    <p:extLst>
+      <p:ext uri="{BB962C8B-B14F-4D97-AF65-F5344CB8AC3E}">
+        <p14:creationId xmlns:p14="http://schemas.microsoft.com/office/powerpoint/2010/main" val="1882802673"/>
+      </p:ext>
+    </p:extLst>
+  </p:cSld>
+  <p:clrMapOvr>
+    <a:masterClrMapping/>
+  </p:clrMapOvr>
+</p:sld>
+</file>
+
+<file path=ppt/slides/slide25.xml><?xml version="1.0" encoding="utf-8"?>
+<p:sld xmlns:a="http://schemas.openxmlformats.org/drawingml/2006/main" xmlns:r="http://schemas.openxmlformats.org/officeDocument/2006/relationships" xmlns:p="http://schemas.openxmlformats.org/presentationml/2006/main">
+  <p:cSld>
+    <p:spTree>
+      <p:nvGrpSpPr>
+        <p:cNvPr id="1" name=""/>
+        <p:cNvGrpSpPr/>
+        <p:nvPr/>
+      </p:nvGrpSpPr>
+      <p:grpSpPr>
+        <a:xfrm>
+          <a:off x="0" y="0"/>
+          <a:ext cx="0" cy="0"/>
+          <a:chOff x="0" y="0"/>
+          <a:chExt cx="0" cy="0"/>
+        </a:xfrm>
+      </p:grpSpPr>
+      <p:sp>
+        <p:nvSpPr>
+          <p:cNvPr id="2" name="Title 1">
+            <a:extLst>
+              <a:ext uri="{FF2B5EF4-FFF2-40B4-BE49-F238E27FC236}">
+                <a16:creationId xmlns:a16="http://schemas.microsoft.com/office/drawing/2014/main" id="{D946D38A-1D4E-44A2-E782-E1291C82C1F5}"/>
+              </a:ext>
+            </a:extLst>
+          </p:cNvPr>
+          <p:cNvSpPr>
+            <a:spLocks noGrp="1"/>
+          </p:cNvSpPr>
+          <p:nvPr>
+            <p:ph type="title"/>
+          </p:nvPr>
+        </p:nvSpPr>
+        <p:spPr/>
+        <p:txBody>
+          <a:bodyPr/>
+          <a:lstStyle/>
+          <a:p>
+            <a:r>
+              <a:rPr lang="en-US" dirty="0"/>
+              <a:t>References</a:t>
+            </a:r>
+            <a:endParaRPr lang="en-IN" dirty="0"/>
+          </a:p>
+        </p:txBody>
+      </p:sp>
+      <p:sp>
+        <p:nvSpPr>
+          <p:cNvPr id="3" name="Content Placeholder 2">
+            <a:extLst>
+              <a:ext uri="{FF2B5EF4-FFF2-40B4-BE49-F238E27FC236}">
+                <a16:creationId xmlns:a16="http://schemas.microsoft.com/office/drawing/2014/main" id="{7E4E3EAA-F64F-D5FD-EE17-AB9B1CB1C04D}"/>
+              </a:ext>
+            </a:extLst>
+          </p:cNvPr>
+          <p:cNvSpPr>
+            <a:spLocks noGrp="1"/>
+          </p:cNvSpPr>
+          <p:nvPr>
+            <p:ph idx="1"/>
+          </p:nvPr>
+        </p:nvSpPr>
+        <p:spPr/>
+        <p:txBody>
+          <a:bodyPr/>
+          <a:lstStyle/>
+          <a:p>
+            <a:endParaRPr lang="en-IN" sz="1800" dirty="0">
+              <a:hlinkClick r:id="rId2"/>
+            </a:endParaRPr>
+          </a:p>
+          <a:p>
+            <a:r>
+              <a:rPr lang="en-IN" sz="1800" dirty="0">
+                <a:hlinkClick r:id="rId2"/>
+              </a:rPr>
+              <a:t>https://restfulapi.net/</a:t>
+            </a:r>
+          </a:p>
+          <a:p>
+            <a:r>
+              <a:rPr lang="en-IN" sz="1800" dirty="0">
+                <a:hlinkClick r:id="rId2"/>
+              </a:rPr>
+              <a:t>https://developer.mozilla.org/en-US/docs/Web/HTTP/Reference</a:t>
+            </a:r>
+          </a:p>
+          <a:p>
+            <a:r>
+              <a:rPr lang="en-IN" sz="1800" dirty="0">
+                <a:hlinkClick r:id="rId2"/>
+              </a:rPr>
+              <a:t>https://fastapi.tiangolo.com/</a:t>
+            </a:r>
+            <a:endParaRPr lang="en-IN" sz="1800" dirty="0"/>
+          </a:p>
+          <a:p>
+            <a:r>
+              <a:rPr lang="en-IN" sz="1800" dirty="0">
+                <a:hlinkClick r:id="rId3"/>
+              </a:rPr>
+              <a:t>https://fastapi.tiangolo.com/tutorial/</a:t>
+            </a:r>
+            <a:endParaRPr lang="en-IN" sz="1800" dirty="0"/>
+          </a:p>
+          <a:p>
+            <a:r>
+              <a:rPr lang="en-IN" sz="1800" dirty="0">
+                <a:hlinkClick r:id="rId4"/>
+              </a:rPr>
+              <a:t>https://docs.sqlalchemy.org/en/20/tutorial/</a:t>
+            </a:r>
+            <a:endParaRPr lang="en-IN" sz="1800" dirty="0"/>
+          </a:p>
+          <a:p>
+            <a:r>
+              <a:rPr lang="en-IN" sz="1800" dirty="0">
+                <a:hlinkClick r:id="rId5"/>
+              </a:rPr>
+              <a:t>https://docs.pydantic.dev/latest/</a:t>
+            </a:r>
+            <a:endParaRPr lang="en-IN" sz="1800" dirty="0"/>
+          </a:p>
+          <a:p>
+            <a:endParaRPr lang="en-IN" sz="1800" dirty="0"/>
+          </a:p>
+          <a:p>
+            <a:endParaRPr lang="en-IN" dirty="0"/>
+          </a:p>
+          <a:p>
+            <a:endParaRPr lang="en-IN" dirty="0"/>
+          </a:p>
+        </p:txBody>
+      </p:sp>
+    </p:spTree>
+    <p:extLst>
+      <p:ext uri="{BB962C8B-B14F-4D97-AF65-F5344CB8AC3E}">
+        <p14:creationId xmlns:p14="http://schemas.microsoft.com/office/powerpoint/2010/main" val="1810712915"/>
+      </p:ext>
+    </p:extLst>
+  </p:cSld>
+  <p:clrMapOvr>
+    <a:masterClrMapping/>
+  </p:clrMapOvr>
+</p:sld>
+</file>
+
+<file path=ppt/slides/slide26.xml><?xml version="1.0" encoding="utf-8"?>
+<p:sld xmlns:a="http://schemas.openxmlformats.org/drawingml/2006/main" xmlns:r="http://schemas.openxmlformats.org/officeDocument/2006/relationships" xmlns:p="http://schemas.openxmlformats.org/presentationml/2006/main">
+  <p:cSld>
+    <p:spTree>
+      <p:nvGrpSpPr>
+        <p:cNvPr id="1" name="">
+          <a:extLst>
+            <a:ext uri="{FF2B5EF4-FFF2-40B4-BE49-F238E27FC236}">
+              <a16:creationId xmlns:a16="http://schemas.microsoft.com/office/drawing/2014/main" id="{5B84FA2D-215E-8A1F-2756-45EF8DA8F9FB}"/>
+            </a:ext>
+          </a:extLst>
+        </p:cNvPr>
+        <p:cNvGrpSpPr/>
+        <p:nvPr/>
+      </p:nvGrpSpPr>
+      <p:grpSpPr>
+        <a:xfrm>
+          <a:off x="0" y="0"/>
+          <a:ext cx="0" cy="0"/>
+          <a:chOff x="0" y="0"/>
+          <a:chExt cx="0" cy="0"/>
+        </a:xfrm>
+      </p:grpSpPr>
+      <p:sp>
+        <p:nvSpPr>
+          <p:cNvPr id="2" name="Title 1">
+            <a:extLst>
+              <a:ext uri="{FF2B5EF4-FFF2-40B4-BE49-F238E27FC236}">
+                <a16:creationId xmlns:a16="http://schemas.microsoft.com/office/drawing/2014/main" id="{B01F5602-60A3-D63A-0323-D0211C90409E}"/>
+              </a:ext>
+            </a:extLst>
+          </p:cNvPr>
+          <p:cNvSpPr>
+            <a:spLocks noGrp="1"/>
+          </p:cNvSpPr>
+          <p:nvPr>
+            <p:ph type="title"/>
+          </p:nvPr>
+        </p:nvSpPr>
+        <p:spPr>
+          <a:xfrm rot="19743509">
+            <a:off x="444424" y="2451643"/>
+            <a:ext cx="8229600" cy="1912091"/>
+          </a:xfrm>
+        </p:spPr>
+        <p:txBody>
+          <a:bodyPr>
+            <a:normAutofit/>
+          </a:bodyPr>
+          <a:lstStyle/>
+          <a:p>
+            <a:r>
+              <a:rPr lang="en-US" sz="8000" dirty="0"/>
+              <a:t>THANK YOU</a:t>
+            </a:r>
+            <a:endParaRPr lang="en-IN" sz="8000" dirty="0"/>
+          </a:p>
+        </p:txBody>
+      </p:sp>
+    </p:spTree>
+    <p:extLst>
+      <p:ext uri="{BB962C8B-B14F-4D97-AF65-F5344CB8AC3E}">
+        <p14:creationId xmlns:p14="http://schemas.microsoft.com/office/powerpoint/2010/main" val="1702158095"/>
+      </p:ext>
+    </p:extLst>
+  </p:cSld>
+  <p:clrMapOvr>
+    <a:masterClrMapping/>
+  </p:clrMapOvr>
+</p:sld>
+</file>
+
+<file path=ppt/slides/slide3.xml><?xml version="1.0" encoding="utf-8"?>
 <p:sld xmlns:a="http://schemas.openxmlformats.org/drawingml/2006/main" xmlns:r="http://schemas.openxmlformats.org/officeDocument/2006/relationships" xmlns:p="http://schemas.openxmlformats.org/presentationml/2006/main">
   <p:cSld>
     <p:spTree>
@@ -5307,658 +6539,7 @@
 </p:sld>
 </file>
 
-<file path=ppt/slides/slide20.xml><?xml version="1.0" encoding="utf-8"?>
-<p:sld xmlns:a="http://schemas.openxmlformats.org/drawingml/2006/main" xmlns:r="http://schemas.openxmlformats.org/officeDocument/2006/relationships" xmlns:p="http://schemas.openxmlformats.org/presentationml/2006/main">
-  <p:cSld>
-    <p:spTree>
-      <p:nvGrpSpPr>
-        <p:cNvPr id="1" name="">
-          <a:extLst>
-            <a:ext uri="{FF2B5EF4-FFF2-40B4-BE49-F238E27FC236}">
-              <a16:creationId xmlns:a16="http://schemas.microsoft.com/office/drawing/2014/main" id="{5F053B67-48ED-0B17-45CC-BF3E2AC4FA14}"/>
-            </a:ext>
-          </a:extLst>
-        </p:cNvPr>
-        <p:cNvGrpSpPr/>
-        <p:nvPr/>
-      </p:nvGrpSpPr>
-      <p:grpSpPr>
-        <a:xfrm>
-          <a:off x="0" y="0"/>
-          <a:ext cx="0" cy="0"/>
-          <a:chOff x="0" y="0"/>
-          <a:chExt cx="0" cy="0"/>
-        </a:xfrm>
-      </p:grpSpPr>
-      <p:sp>
-        <p:nvSpPr>
-          <p:cNvPr id="2" name="Title 1">
-            <a:extLst>
-              <a:ext uri="{FF2B5EF4-FFF2-40B4-BE49-F238E27FC236}">
-                <a16:creationId xmlns:a16="http://schemas.microsoft.com/office/drawing/2014/main" id="{B50F54BC-75FB-EC06-2312-0A5D9ACEFC5B}"/>
-              </a:ext>
-            </a:extLst>
-          </p:cNvPr>
-          <p:cNvSpPr>
-            <a:spLocks noGrp="1"/>
-          </p:cNvSpPr>
-          <p:nvPr>
-            <p:ph type="title"/>
-          </p:nvPr>
-        </p:nvSpPr>
-        <p:spPr/>
-        <p:txBody>
-          <a:bodyPr/>
-          <a:lstStyle/>
-          <a:p>
-            <a:r>
-              <a:t>SQLAlchemy with FastAPI</a:t>
-            </a:r>
-          </a:p>
-        </p:txBody>
-      </p:sp>
-      <p:sp>
-        <p:nvSpPr>
-          <p:cNvPr id="3" name="Content Placeholder 2">
-            <a:extLst>
-              <a:ext uri="{FF2B5EF4-FFF2-40B4-BE49-F238E27FC236}">
-                <a16:creationId xmlns:a16="http://schemas.microsoft.com/office/drawing/2014/main" id="{943236FD-A3B2-5BB7-8F22-119EB1626677}"/>
-              </a:ext>
-            </a:extLst>
-          </p:cNvPr>
-          <p:cNvSpPr>
-            <a:spLocks noGrp="1"/>
-          </p:cNvSpPr>
-          <p:nvPr>
-            <p:ph idx="1"/>
-          </p:nvPr>
-        </p:nvSpPr>
-        <p:spPr/>
-        <p:txBody>
-          <a:bodyPr/>
-          <a:lstStyle/>
-          <a:p>
-            <a:endParaRPr dirty="0"/>
-          </a:p>
-          <a:p>
-            <a:pPr>
-              <a:defRPr sz="1800"/>
-            </a:pPr>
-            <a:r>
-              <a:rPr dirty="0"/>
-              <a:t>Define models as Python classes</a:t>
-            </a:r>
-          </a:p>
-          <a:p>
-            <a:pPr>
-              <a:defRPr sz="1800"/>
-            </a:pPr>
-            <a:r>
-              <a:rPr dirty="0"/>
-              <a:t>Create tables with </a:t>
-            </a:r>
-            <a:r>
-              <a:rPr dirty="0" err="1"/>
-              <a:t>Base.metadata.create_all</a:t>
-            </a:r>
-            <a:r>
-              <a:rPr dirty="0"/>
-              <a:t>()</a:t>
-            </a:r>
-            <a:r>
-              <a:rPr lang="en-US" dirty="0"/>
-              <a:t> (using </a:t>
-            </a:r>
-            <a:r>
-              <a:rPr lang="en-IN" dirty="0"/>
-              <a:t>ORM Mapped classes)</a:t>
-            </a:r>
-            <a:endParaRPr dirty="0"/>
-          </a:p>
-          <a:p>
-            <a:pPr>
-              <a:defRPr sz="1800"/>
-            </a:pPr>
-            <a:r>
-              <a:rPr dirty="0"/>
-              <a:t>Use </a:t>
-            </a:r>
-            <a:r>
-              <a:rPr dirty="0" err="1"/>
-              <a:t>SessionLocal</a:t>
-            </a:r>
-            <a:r>
-              <a:rPr dirty="0"/>
-              <a:t> for DB operations</a:t>
-            </a:r>
-            <a:endParaRPr lang="en-IN" dirty="0"/>
-          </a:p>
-          <a:p>
-            <a:pPr>
-              <a:defRPr sz="1800"/>
-            </a:pPr>
-            <a:r>
-              <a:rPr lang="en-IN" dirty="0"/>
-              <a:t>Integrate with </a:t>
-            </a:r>
-            <a:r>
-              <a:rPr lang="en-IN" dirty="0" err="1"/>
-              <a:t>FastAPI</a:t>
-            </a:r>
-            <a:r>
-              <a:rPr lang="en-IN" dirty="0"/>
-              <a:t> dependencies (using Depends())</a:t>
-            </a:r>
-          </a:p>
-        </p:txBody>
-      </p:sp>
-    </p:spTree>
-    <p:extLst>
-      <p:ext uri="{BB962C8B-B14F-4D97-AF65-F5344CB8AC3E}">
-        <p14:creationId xmlns:p14="http://schemas.microsoft.com/office/powerpoint/2010/main" val="686739344"/>
-      </p:ext>
-    </p:extLst>
-  </p:cSld>
-  <p:clrMapOvr>
-    <a:masterClrMapping/>
-  </p:clrMapOvr>
-</p:sld>
-</file>
-
-<file path=ppt/slides/slide21.xml><?xml version="1.0" encoding="utf-8"?>
-<p:sld xmlns:a="http://schemas.openxmlformats.org/drawingml/2006/main" xmlns:r="http://schemas.openxmlformats.org/officeDocument/2006/relationships" xmlns:p="http://schemas.openxmlformats.org/presentationml/2006/main">
-  <p:cSld>
-    <p:spTree>
-      <p:nvGrpSpPr>
-        <p:cNvPr id="1" name=""/>
-        <p:cNvGrpSpPr/>
-        <p:nvPr/>
-      </p:nvGrpSpPr>
-      <p:grpSpPr>
-        <a:xfrm>
-          <a:off x="0" y="0"/>
-          <a:ext cx="0" cy="0"/>
-          <a:chOff x="0" y="0"/>
-          <a:chExt cx="0" cy="0"/>
-        </a:xfrm>
-      </p:grpSpPr>
-      <p:sp>
-        <p:nvSpPr>
-          <p:cNvPr id="2" name="Title 1">
-            <a:extLst>
-              <a:ext uri="{FF2B5EF4-FFF2-40B4-BE49-F238E27FC236}">
-                <a16:creationId xmlns:a16="http://schemas.microsoft.com/office/drawing/2014/main" id="{07B6B77C-3CC0-5118-5872-5AD42E321E84}"/>
-              </a:ext>
-            </a:extLst>
-          </p:cNvPr>
-          <p:cNvSpPr>
-            <a:spLocks noGrp="1"/>
-          </p:cNvSpPr>
-          <p:nvPr>
-            <p:ph type="title"/>
-          </p:nvPr>
-        </p:nvSpPr>
-        <p:spPr>
-          <a:xfrm rot="19743509">
-            <a:off x="444424" y="2451643"/>
-            <a:ext cx="8229600" cy="1912091"/>
-          </a:xfrm>
-        </p:spPr>
-        <p:txBody>
-          <a:bodyPr>
-            <a:normAutofit/>
-          </a:bodyPr>
-          <a:lstStyle/>
-          <a:p>
-            <a:r>
-              <a:rPr lang="en-US" sz="8000" dirty="0"/>
-              <a:t>D</a:t>
-            </a:r>
-            <a:r>
-              <a:rPr lang="en-IN" sz="8000" dirty="0"/>
-              <a:t>EMO</a:t>
-            </a:r>
-          </a:p>
-        </p:txBody>
-      </p:sp>
-    </p:spTree>
-    <p:extLst>
-      <p:ext uri="{BB962C8B-B14F-4D97-AF65-F5344CB8AC3E}">
-        <p14:creationId xmlns:p14="http://schemas.microsoft.com/office/powerpoint/2010/main" val="168781383"/>
-      </p:ext>
-    </p:extLst>
-  </p:cSld>
-  <p:clrMapOvr>
-    <a:masterClrMapping/>
-  </p:clrMapOvr>
-</p:sld>
-</file>
-
-<file path=ppt/slides/slide22.xml><?xml version="1.0" encoding="utf-8"?>
-<p:sld xmlns:a="http://schemas.openxmlformats.org/drawingml/2006/main" xmlns:r="http://schemas.openxmlformats.org/officeDocument/2006/relationships" xmlns:p="http://schemas.openxmlformats.org/presentationml/2006/main">
-  <p:cSld>
-    <p:spTree>
-      <p:nvGrpSpPr>
-        <p:cNvPr id="1" name=""/>
-        <p:cNvGrpSpPr/>
-        <p:nvPr/>
-      </p:nvGrpSpPr>
-      <p:grpSpPr>
-        <a:xfrm>
-          <a:off x="0" y="0"/>
-          <a:ext cx="0" cy="0"/>
-          <a:chOff x="0" y="0"/>
-          <a:chExt cx="0" cy="0"/>
-        </a:xfrm>
-      </p:grpSpPr>
-      <p:sp>
-        <p:nvSpPr>
-          <p:cNvPr id="2" name="Title 1"/>
-          <p:cNvSpPr>
-            <a:spLocks noGrp="1"/>
-          </p:cNvSpPr>
-          <p:nvPr>
-            <p:ph type="title"/>
-          </p:nvPr>
-        </p:nvSpPr>
-        <p:spPr/>
-        <p:txBody>
-          <a:bodyPr/>
-          <a:lstStyle/>
-          <a:p>
-            <a:r>
-              <a:rPr lang="en-US" dirty="0"/>
-              <a:t>Few Best Practices - API</a:t>
-            </a:r>
-            <a:endParaRPr dirty="0"/>
-          </a:p>
-        </p:txBody>
-      </p:sp>
-      <p:sp>
-        <p:nvSpPr>
-          <p:cNvPr id="3" name="Content Placeholder 2"/>
-          <p:cNvSpPr>
-            <a:spLocks noGrp="1"/>
-          </p:cNvSpPr>
-          <p:nvPr>
-            <p:ph idx="1"/>
-          </p:nvPr>
-        </p:nvSpPr>
-        <p:spPr/>
-        <p:txBody>
-          <a:bodyPr/>
-          <a:lstStyle/>
-          <a:p>
-            <a:endParaRPr dirty="0"/>
-          </a:p>
-          <a:p>
-            <a:pPr>
-              <a:defRPr sz="1800"/>
-            </a:pPr>
-            <a:r>
-              <a:rPr lang="en-US" dirty="0"/>
-              <a:t>Implementation of custom loggers – console and file logging</a:t>
-            </a:r>
-            <a:endParaRPr dirty="0"/>
-          </a:p>
-          <a:p>
-            <a:pPr>
-              <a:defRPr sz="1800"/>
-            </a:pPr>
-            <a:r>
-              <a:rPr lang="en-US" dirty="0"/>
-              <a:t>Exception handling – create custom exceptions wherever applicable</a:t>
-            </a:r>
-          </a:p>
-          <a:p>
-            <a:pPr>
-              <a:defRPr sz="1800"/>
-            </a:pPr>
-            <a:r>
-              <a:rPr lang="en-US" dirty="0"/>
-              <a:t>Modularize code – code reusability, readability and maintainability</a:t>
-            </a:r>
-            <a:endParaRPr dirty="0"/>
-          </a:p>
-        </p:txBody>
-      </p:sp>
-    </p:spTree>
-  </p:cSld>
-  <p:clrMapOvr>
-    <a:masterClrMapping/>
-  </p:clrMapOvr>
-</p:sld>
-</file>
-
-<file path=ppt/slides/slide23.xml><?xml version="1.0" encoding="utf-8"?>
-<p:sld xmlns:a="http://schemas.openxmlformats.org/drawingml/2006/main" xmlns:r="http://schemas.openxmlformats.org/officeDocument/2006/relationships" xmlns:p="http://schemas.openxmlformats.org/presentationml/2006/main">
-  <p:cSld>
-    <p:spTree>
-      <p:nvGrpSpPr>
-        <p:cNvPr id="1" name="">
-          <a:extLst>
-            <a:ext uri="{FF2B5EF4-FFF2-40B4-BE49-F238E27FC236}">
-              <a16:creationId xmlns:a16="http://schemas.microsoft.com/office/drawing/2014/main" id="{CF43BFD7-E717-EE9E-2B94-ED6D88ED32DD}"/>
-            </a:ext>
-          </a:extLst>
-        </p:cNvPr>
-        <p:cNvGrpSpPr/>
-        <p:nvPr/>
-      </p:nvGrpSpPr>
-      <p:grpSpPr>
-        <a:xfrm>
-          <a:off x="0" y="0"/>
-          <a:ext cx="0" cy="0"/>
-          <a:chOff x="0" y="0"/>
-          <a:chExt cx="0" cy="0"/>
-        </a:xfrm>
-      </p:grpSpPr>
-      <p:sp>
-        <p:nvSpPr>
-          <p:cNvPr id="2" name="Title 1">
-            <a:extLst>
-              <a:ext uri="{FF2B5EF4-FFF2-40B4-BE49-F238E27FC236}">
-                <a16:creationId xmlns:a16="http://schemas.microsoft.com/office/drawing/2014/main" id="{53983E3B-994E-34A9-FC31-E751F5776807}"/>
-              </a:ext>
-            </a:extLst>
-          </p:cNvPr>
-          <p:cNvSpPr>
-            <a:spLocks noGrp="1"/>
-          </p:cNvSpPr>
-          <p:nvPr>
-            <p:ph type="title"/>
-          </p:nvPr>
-        </p:nvSpPr>
-        <p:spPr/>
-        <p:txBody>
-          <a:bodyPr/>
-          <a:lstStyle/>
-          <a:p>
-            <a:r>
-              <a:rPr lang="en-US" dirty="0"/>
-              <a:t>Advanced Concepts</a:t>
-            </a:r>
-            <a:endParaRPr dirty="0"/>
-          </a:p>
-        </p:txBody>
-      </p:sp>
-      <p:sp>
-        <p:nvSpPr>
-          <p:cNvPr id="3" name="Content Placeholder 2">
-            <a:extLst>
-              <a:ext uri="{FF2B5EF4-FFF2-40B4-BE49-F238E27FC236}">
-                <a16:creationId xmlns:a16="http://schemas.microsoft.com/office/drawing/2014/main" id="{6506ED7E-8A82-4052-A834-28F1F1399ADB}"/>
-              </a:ext>
-            </a:extLst>
-          </p:cNvPr>
-          <p:cNvSpPr>
-            <a:spLocks noGrp="1"/>
-          </p:cNvSpPr>
-          <p:nvPr>
-            <p:ph idx="1"/>
-          </p:nvPr>
-        </p:nvSpPr>
-        <p:spPr/>
-        <p:txBody>
-          <a:bodyPr/>
-          <a:lstStyle/>
-          <a:p>
-            <a:endParaRPr dirty="0"/>
-          </a:p>
-          <a:p>
-            <a:pPr>
-              <a:defRPr sz="1800"/>
-            </a:pPr>
-            <a:r>
-              <a:rPr lang="en-US" dirty="0"/>
-              <a:t>Middleware</a:t>
-            </a:r>
-            <a:endParaRPr dirty="0"/>
-          </a:p>
-          <a:p>
-            <a:pPr>
-              <a:defRPr sz="1800"/>
-            </a:pPr>
-            <a:r>
-              <a:rPr lang="en-US" dirty="0"/>
-              <a:t>Security – Authentication &amp; Authorization</a:t>
-            </a:r>
-            <a:endParaRPr dirty="0"/>
-          </a:p>
-          <a:p>
-            <a:pPr>
-              <a:defRPr sz="1800"/>
-            </a:pPr>
-            <a:r>
-              <a:rPr lang="en-US" dirty="0"/>
-              <a:t>Cookies</a:t>
-            </a:r>
-          </a:p>
-          <a:p>
-            <a:pPr>
-              <a:defRPr sz="1800"/>
-            </a:pPr>
-            <a:r>
-              <a:rPr lang="en-US" dirty="0"/>
-              <a:t>Response Headers</a:t>
-            </a:r>
-            <a:endParaRPr dirty="0"/>
-          </a:p>
-        </p:txBody>
-      </p:sp>
-    </p:spTree>
-    <p:extLst>
-      <p:ext uri="{BB962C8B-B14F-4D97-AF65-F5344CB8AC3E}">
-        <p14:creationId xmlns:p14="http://schemas.microsoft.com/office/powerpoint/2010/main" val="1882802673"/>
-      </p:ext>
-    </p:extLst>
-  </p:cSld>
-  <p:clrMapOvr>
-    <a:masterClrMapping/>
-  </p:clrMapOvr>
-</p:sld>
-</file>
-
-<file path=ppt/slides/slide24.xml><?xml version="1.0" encoding="utf-8"?>
-<p:sld xmlns:a="http://schemas.openxmlformats.org/drawingml/2006/main" xmlns:r="http://schemas.openxmlformats.org/officeDocument/2006/relationships" xmlns:p="http://schemas.openxmlformats.org/presentationml/2006/main">
-  <p:cSld>
-    <p:spTree>
-      <p:nvGrpSpPr>
-        <p:cNvPr id="1" name=""/>
-        <p:cNvGrpSpPr/>
-        <p:nvPr/>
-      </p:nvGrpSpPr>
-      <p:grpSpPr>
-        <a:xfrm>
-          <a:off x="0" y="0"/>
-          <a:ext cx="0" cy="0"/>
-          <a:chOff x="0" y="0"/>
-          <a:chExt cx="0" cy="0"/>
-        </a:xfrm>
-      </p:grpSpPr>
-      <p:sp>
-        <p:nvSpPr>
-          <p:cNvPr id="2" name="Title 1">
-            <a:extLst>
-              <a:ext uri="{FF2B5EF4-FFF2-40B4-BE49-F238E27FC236}">
-                <a16:creationId xmlns:a16="http://schemas.microsoft.com/office/drawing/2014/main" id="{D946D38A-1D4E-44A2-E782-E1291C82C1F5}"/>
-              </a:ext>
-            </a:extLst>
-          </p:cNvPr>
-          <p:cNvSpPr>
-            <a:spLocks noGrp="1"/>
-          </p:cNvSpPr>
-          <p:nvPr>
-            <p:ph type="title"/>
-          </p:nvPr>
-        </p:nvSpPr>
-        <p:spPr/>
-        <p:txBody>
-          <a:bodyPr/>
-          <a:lstStyle/>
-          <a:p>
-            <a:r>
-              <a:rPr lang="en-US" dirty="0"/>
-              <a:t>References</a:t>
-            </a:r>
-            <a:endParaRPr lang="en-IN" dirty="0"/>
-          </a:p>
-        </p:txBody>
-      </p:sp>
-      <p:sp>
-        <p:nvSpPr>
-          <p:cNvPr id="3" name="Content Placeholder 2">
-            <a:extLst>
-              <a:ext uri="{FF2B5EF4-FFF2-40B4-BE49-F238E27FC236}">
-                <a16:creationId xmlns:a16="http://schemas.microsoft.com/office/drawing/2014/main" id="{7E4E3EAA-F64F-D5FD-EE17-AB9B1CB1C04D}"/>
-              </a:ext>
-            </a:extLst>
-          </p:cNvPr>
-          <p:cNvSpPr>
-            <a:spLocks noGrp="1"/>
-          </p:cNvSpPr>
-          <p:nvPr>
-            <p:ph idx="1"/>
-          </p:nvPr>
-        </p:nvSpPr>
-        <p:spPr/>
-        <p:txBody>
-          <a:bodyPr/>
-          <a:lstStyle/>
-          <a:p>
-            <a:endParaRPr lang="en-IN" sz="1800" dirty="0">
-              <a:hlinkClick r:id="rId2"/>
-            </a:endParaRPr>
-          </a:p>
-          <a:p>
-            <a:r>
-              <a:rPr lang="en-IN" sz="1800" dirty="0">
-                <a:hlinkClick r:id="rId2"/>
-              </a:rPr>
-              <a:t>https://restfulapi.net/</a:t>
-            </a:r>
-          </a:p>
-          <a:p>
-            <a:r>
-              <a:rPr lang="en-IN" sz="1800" dirty="0">
-                <a:hlinkClick r:id="rId2"/>
-              </a:rPr>
-              <a:t>https://fastapi.tiangolo.com/</a:t>
-            </a:r>
-            <a:endParaRPr lang="en-IN" sz="1800" dirty="0"/>
-          </a:p>
-          <a:p>
-            <a:r>
-              <a:rPr lang="en-IN" sz="1800" dirty="0">
-                <a:hlinkClick r:id="rId3"/>
-              </a:rPr>
-              <a:t>https://fastapi.tiangolo.com/tutorial/</a:t>
-            </a:r>
-            <a:endParaRPr lang="en-IN" sz="1800" dirty="0"/>
-          </a:p>
-          <a:p>
-            <a:r>
-              <a:rPr lang="en-IN" sz="1800" dirty="0">
-                <a:hlinkClick r:id="rId4"/>
-              </a:rPr>
-              <a:t>https://docs.sqlalchemy.org/en/20/tutorial/</a:t>
-            </a:r>
-            <a:endParaRPr lang="en-IN" sz="1800" dirty="0"/>
-          </a:p>
-          <a:p>
-            <a:endParaRPr lang="en-IN" dirty="0"/>
-          </a:p>
-          <a:p>
-            <a:endParaRPr lang="en-IN" dirty="0"/>
-          </a:p>
-        </p:txBody>
-      </p:sp>
-    </p:spTree>
-    <p:extLst>
-      <p:ext uri="{BB962C8B-B14F-4D97-AF65-F5344CB8AC3E}">
-        <p14:creationId xmlns:p14="http://schemas.microsoft.com/office/powerpoint/2010/main" val="1810712915"/>
-      </p:ext>
-    </p:extLst>
-  </p:cSld>
-  <p:clrMapOvr>
-    <a:masterClrMapping/>
-  </p:clrMapOvr>
-</p:sld>
-</file>
-
-<file path=ppt/slides/slide25.xml><?xml version="1.0" encoding="utf-8"?>
-<p:sld xmlns:a="http://schemas.openxmlformats.org/drawingml/2006/main" xmlns:r="http://schemas.openxmlformats.org/officeDocument/2006/relationships" xmlns:p="http://schemas.openxmlformats.org/presentationml/2006/main">
-  <p:cSld>
-    <p:spTree>
-      <p:nvGrpSpPr>
-        <p:cNvPr id="1" name="">
-          <a:extLst>
-            <a:ext uri="{FF2B5EF4-FFF2-40B4-BE49-F238E27FC236}">
-              <a16:creationId xmlns:a16="http://schemas.microsoft.com/office/drawing/2014/main" id="{5B84FA2D-215E-8A1F-2756-45EF8DA8F9FB}"/>
-            </a:ext>
-          </a:extLst>
-        </p:cNvPr>
-        <p:cNvGrpSpPr/>
-        <p:nvPr/>
-      </p:nvGrpSpPr>
-      <p:grpSpPr>
-        <a:xfrm>
-          <a:off x="0" y="0"/>
-          <a:ext cx="0" cy="0"/>
-          <a:chOff x="0" y="0"/>
-          <a:chExt cx="0" cy="0"/>
-        </a:xfrm>
-      </p:grpSpPr>
-      <p:sp>
-        <p:nvSpPr>
-          <p:cNvPr id="2" name="Title 1">
-            <a:extLst>
-              <a:ext uri="{FF2B5EF4-FFF2-40B4-BE49-F238E27FC236}">
-                <a16:creationId xmlns:a16="http://schemas.microsoft.com/office/drawing/2014/main" id="{B01F5602-60A3-D63A-0323-D0211C90409E}"/>
-              </a:ext>
-            </a:extLst>
-          </p:cNvPr>
-          <p:cNvSpPr>
-            <a:spLocks noGrp="1"/>
-          </p:cNvSpPr>
-          <p:nvPr>
-            <p:ph type="title"/>
-          </p:nvPr>
-        </p:nvSpPr>
-        <p:spPr>
-          <a:xfrm rot="19743509">
-            <a:off x="444424" y="2451643"/>
-            <a:ext cx="8229600" cy="1912091"/>
-          </a:xfrm>
-        </p:spPr>
-        <p:txBody>
-          <a:bodyPr>
-            <a:normAutofit/>
-          </a:bodyPr>
-          <a:lstStyle/>
-          <a:p>
-            <a:r>
-              <a:rPr lang="en-US" sz="8000" dirty="0"/>
-              <a:t>THANK YOU</a:t>
-            </a:r>
-            <a:endParaRPr lang="en-IN" sz="8000" dirty="0"/>
-          </a:p>
-        </p:txBody>
-      </p:sp>
-    </p:spTree>
-    <p:extLst>
-      <p:ext uri="{BB962C8B-B14F-4D97-AF65-F5344CB8AC3E}">
-        <p14:creationId xmlns:p14="http://schemas.microsoft.com/office/powerpoint/2010/main" val="1702158095"/>
-      </p:ext>
-    </p:extLst>
-  </p:cSld>
-  <p:clrMapOvr>
-    <a:masterClrMapping/>
-  </p:clrMapOvr>
-</p:sld>
-</file>
-
-<file path=ppt/slides/slide3.xml><?xml version="1.0" encoding="utf-8"?>
+<file path=ppt/slides/slide4.xml><?xml version="1.0" encoding="utf-8"?>
 <p:sld xmlns:a="http://schemas.openxmlformats.org/drawingml/2006/main" xmlns:r="http://schemas.openxmlformats.org/officeDocument/2006/relationships" xmlns:p="http://schemas.openxmlformats.org/presentationml/2006/main">
   <p:cSld>
     <p:spTree>
@@ -6191,7 +6772,7 @@
 </p:sld>
 </file>
 
-<file path=ppt/slides/slide4.xml><?xml version="1.0" encoding="utf-8"?>
+<file path=ppt/slides/slide5.xml><?xml version="1.0" encoding="utf-8"?>
 <p:sld xmlns:a="http://schemas.openxmlformats.org/drawingml/2006/main" xmlns:r="http://schemas.openxmlformats.org/officeDocument/2006/relationships" xmlns:p="http://schemas.openxmlformats.org/presentationml/2006/main">
   <p:cSld>
     <p:spTree>
@@ -6572,7 +7153,7 @@
 </p:sld>
 </file>
 
-<file path=ppt/slides/slide5.xml><?xml version="1.0" encoding="utf-8"?>
+<file path=ppt/slides/slide6.xml><?xml version="1.0" encoding="utf-8"?>
 <p:sld xmlns:a="http://schemas.openxmlformats.org/drawingml/2006/main" xmlns:r="http://schemas.openxmlformats.org/officeDocument/2006/relationships" xmlns:p="http://schemas.openxmlformats.org/presentationml/2006/main">
   <p:cSld>
     <p:spTree>
@@ -6716,7 +7297,7 @@
 </p:sld>
 </file>
 
-<file path=ppt/slides/slide6.xml><?xml version="1.0" encoding="utf-8"?>
+<file path=ppt/slides/slide7.xml><?xml version="1.0" encoding="utf-8"?>
 <p:sld xmlns:a="http://schemas.openxmlformats.org/drawingml/2006/main" xmlns:r="http://schemas.openxmlformats.org/officeDocument/2006/relationships" xmlns:p="http://schemas.openxmlformats.org/presentationml/2006/main">
   <p:cSld>
     <p:spTree>
@@ -6872,7 +7453,7 @@
 </p:sld>
 </file>
 
-<file path=ppt/slides/slide7.xml><?xml version="1.0" encoding="utf-8"?>
+<file path=ppt/slides/slide8.xml><?xml version="1.0" encoding="utf-8"?>
 <p:sld xmlns:a="http://schemas.openxmlformats.org/drawingml/2006/main" xmlns:r="http://schemas.openxmlformats.org/officeDocument/2006/relationships" xmlns:p="http://schemas.openxmlformats.org/presentationml/2006/main">
   <p:cSld>
     <p:spTree>
@@ -7113,7 +7694,7 @@
 </p:sld>
 </file>
 
-<file path=ppt/slides/slide8.xml><?xml version="1.0" encoding="utf-8"?>
+<file path=ppt/slides/slide9.xml><?xml version="1.0" encoding="utf-8"?>
 <p:sld xmlns:a="http://schemas.openxmlformats.org/drawingml/2006/main" xmlns:r="http://schemas.openxmlformats.org/officeDocument/2006/relationships" xmlns:p="http://schemas.openxmlformats.org/presentationml/2006/main">
   <p:cSld>
     <p:spTree>
@@ -7489,112 +8070,6 @@
         <p14:creationId xmlns:p14="http://schemas.microsoft.com/office/powerpoint/2010/main" val="1581624240"/>
       </p:ext>
     </p:extLst>
-  </p:cSld>
-  <p:clrMapOvr>
-    <a:masterClrMapping/>
-  </p:clrMapOvr>
-</p:sld>
-</file>
-
-<file path=ppt/slides/slide9.xml><?xml version="1.0" encoding="utf-8"?>
-<p:sld xmlns:a="http://schemas.openxmlformats.org/drawingml/2006/main" xmlns:r="http://schemas.openxmlformats.org/officeDocument/2006/relationships" xmlns:p="http://schemas.openxmlformats.org/presentationml/2006/main">
-  <p:cSld>
-    <p:spTree>
-      <p:nvGrpSpPr>
-        <p:cNvPr id="1" name=""/>
-        <p:cNvGrpSpPr/>
-        <p:nvPr/>
-      </p:nvGrpSpPr>
-      <p:grpSpPr>
-        <a:xfrm>
-          <a:off x="0" y="0"/>
-          <a:ext cx="0" cy="0"/>
-          <a:chOff x="0" y="0"/>
-          <a:chExt cx="0" cy="0"/>
-        </a:xfrm>
-      </p:grpSpPr>
-      <p:sp>
-        <p:nvSpPr>
-          <p:cNvPr id="2" name="Title 1"/>
-          <p:cNvSpPr>
-            <a:spLocks noGrp="1"/>
-          </p:cNvSpPr>
-          <p:nvPr>
-            <p:ph type="title"/>
-          </p:nvPr>
-        </p:nvSpPr>
-        <p:spPr/>
-        <p:txBody>
-          <a:bodyPr/>
-          <a:lstStyle/>
-          <a:p>
-            <a:r>
-              <a:t>What is FastAPI?</a:t>
-            </a:r>
-          </a:p>
-        </p:txBody>
-      </p:sp>
-      <p:sp>
-        <p:nvSpPr>
-          <p:cNvPr id="3" name="Content Placeholder 2"/>
-          <p:cNvSpPr>
-            <a:spLocks noGrp="1"/>
-          </p:cNvSpPr>
-          <p:nvPr>
-            <p:ph idx="1"/>
-          </p:nvPr>
-        </p:nvSpPr>
-        <p:spPr/>
-        <p:txBody>
-          <a:bodyPr/>
-          <a:lstStyle/>
-          <a:p>
-            <a:endParaRPr dirty="0"/>
-          </a:p>
-          <a:p>
-            <a:pPr>
-              <a:defRPr sz="1800"/>
-            </a:pPr>
-            <a:r>
-              <a:rPr dirty="0"/>
-              <a:t>Modern, high-performance web framework for Python</a:t>
-            </a:r>
-          </a:p>
-          <a:p>
-            <a:pPr>
-              <a:defRPr sz="1800"/>
-            </a:pPr>
-            <a:r>
-              <a:rPr dirty="0"/>
-              <a:t>Asynchronous support built-in</a:t>
-            </a:r>
-          </a:p>
-          <a:p>
-            <a:pPr>
-              <a:defRPr sz="1800"/>
-            </a:pPr>
-            <a:r>
-              <a:rPr dirty="0"/>
-              <a:t>Automatic interactive API docs (Swagger, </a:t>
-            </a:r>
-            <a:r>
-              <a:rPr dirty="0" err="1"/>
-              <a:t>Redoc</a:t>
-            </a:r>
-            <a:r>
-              <a:t>)</a:t>
-            </a:r>
-            <a:endParaRPr lang="en-US" dirty="0"/>
-          </a:p>
-          <a:p>
-            <a:pPr>
-              <a:defRPr sz="1800"/>
-            </a:pPr>
-            <a:endParaRPr dirty="0"/>
-          </a:p>
-        </p:txBody>
-      </p:sp>
-    </p:spTree>
   </p:cSld>
   <p:clrMapOvr>
     <a:masterClrMapping/>
